--- a/Group22_Presentation.pptx
+++ b/Group22_Presentation.pptx
@@ -5,22 +5,23 @@
     <p:sldMasterId id="2147483648" r:id="rId1"/>
   </p:sldMasterIdLst>
   <p:notesMasterIdLst>
-    <p:notesMasterId r:id="rId15"/>
+    <p:notesMasterId r:id="rId16"/>
   </p:notesMasterIdLst>
   <p:sldIdLst>
     <p:sldId id="318" r:id="rId2"/>
-    <p:sldId id="301" r:id="rId3"/>
-    <p:sldId id="310" r:id="rId4"/>
-    <p:sldId id="333" r:id="rId5"/>
-    <p:sldId id="319" r:id="rId6"/>
-    <p:sldId id="334" r:id="rId7"/>
-    <p:sldId id="331" r:id="rId8"/>
-    <p:sldId id="335" r:id="rId9"/>
-    <p:sldId id="337" r:id="rId10"/>
-    <p:sldId id="336" r:id="rId11"/>
-    <p:sldId id="330" r:id="rId12"/>
-    <p:sldId id="338" r:id="rId13"/>
-    <p:sldId id="332" r:id="rId14"/>
+    <p:sldId id="339" r:id="rId3"/>
+    <p:sldId id="301" r:id="rId4"/>
+    <p:sldId id="310" r:id="rId5"/>
+    <p:sldId id="333" r:id="rId6"/>
+    <p:sldId id="319" r:id="rId7"/>
+    <p:sldId id="334" r:id="rId8"/>
+    <p:sldId id="331" r:id="rId9"/>
+    <p:sldId id="335" r:id="rId10"/>
+    <p:sldId id="337" r:id="rId11"/>
+    <p:sldId id="336" r:id="rId12"/>
+    <p:sldId id="330" r:id="rId13"/>
+    <p:sldId id="338" r:id="rId14"/>
+    <p:sldId id="332" r:id="rId15"/>
   </p:sldIdLst>
   <p:sldSz cx="12192000" cy="6858000"/>
   <p:notesSz cx="6858000" cy="9144000"/>
@@ -5136,6 +5137,450 @@
   <p:cSld>
     <p:spTree>
       <p:nvGrpSpPr>
+        <p:cNvPr id="1" name=""/>
+        <p:cNvGrpSpPr/>
+        <p:nvPr/>
+      </p:nvGrpSpPr>
+      <p:grpSpPr>
+        <a:xfrm>
+          <a:off x="0" y="0"/>
+          <a:ext cx="0" cy="0"/>
+          <a:chOff x="0" y="0"/>
+          <a:chExt cx="0" cy="0"/>
+        </a:xfrm>
+      </p:grpSpPr>
+      <p:pic>
+        <p:nvPicPr>
+          <p:cNvPr id="19" name="Picture 18">
+            <a:extLst>
+              <a:ext uri="{FF2B5EF4-FFF2-40B4-BE49-F238E27FC236}">
+                <a16:creationId xmlns:a16="http://schemas.microsoft.com/office/drawing/2014/main" id="{145A12B7-C102-A744-81DF-F3DA95FF0807}"/>
+              </a:ext>
+            </a:extLst>
+          </p:cNvPr>
+          <p:cNvPicPr>
+            <a:picLocks noChangeAspect="1"/>
+          </p:cNvPicPr>
+          <p:nvPr/>
+        </p:nvPicPr>
+        <p:blipFill>
+          <a:blip r:embed="rId2"/>
+          <a:stretch>
+            <a:fillRect/>
+          </a:stretch>
+        </p:blipFill>
+        <p:spPr>
+          <a:xfrm>
+            <a:off x="3239531" y="2220893"/>
+            <a:ext cx="3302000" cy="3517900"/>
+          </a:xfrm>
+          <a:prstGeom prst="rect">
+            <a:avLst/>
+          </a:prstGeom>
+        </p:spPr>
+      </p:pic>
+      <p:sp>
+        <p:nvSpPr>
+          <p:cNvPr id="28" name="Title 27">
+            <a:extLst>
+              <a:ext uri="{FF2B5EF4-FFF2-40B4-BE49-F238E27FC236}">
+                <a16:creationId xmlns:a16="http://schemas.microsoft.com/office/drawing/2014/main" id="{ED88B789-8876-4BD8-A8AC-E8DF4A86BDF3}"/>
+              </a:ext>
+            </a:extLst>
+          </p:cNvPr>
+          <p:cNvSpPr>
+            <a:spLocks noGrp="1"/>
+          </p:cNvSpPr>
+          <p:nvPr>
+            <p:ph type="title"/>
+          </p:nvPr>
+        </p:nvSpPr>
+        <p:spPr/>
+        <p:txBody>
+          <a:bodyPr>
+            <a:normAutofit/>
+          </a:bodyPr>
+          <a:lstStyle/>
+          <a:p>
+            <a:r>
+              <a:rPr lang="en-US" dirty="0"/>
+              <a:t>Example 2: Acceleration structure</a:t>
+            </a:r>
+          </a:p>
+        </p:txBody>
+      </p:sp>
+      <p:sp>
+        <p:nvSpPr>
+          <p:cNvPr id="5" name="TextBox 4">
+            <a:extLst>
+              <a:ext uri="{FF2B5EF4-FFF2-40B4-BE49-F238E27FC236}">
+                <a16:creationId xmlns:a16="http://schemas.microsoft.com/office/drawing/2014/main" id="{971ABE22-19AB-42E0-877C-2301047B25B7}"/>
+              </a:ext>
+            </a:extLst>
+          </p:cNvPr>
+          <p:cNvSpPr txBox="1"/>
+          <p:nvPr/>
+        </p:nvSpPr>
+        <p:spPr>
+          <a:xfrm>
+            <a:off x="9222104" y="2417111"/>
+            <a:ext cx="2680571" cy="480148"/>
+          </a:xfrm>
+          <a:prstGeom prst="rect">
+            <a:avLst/>
+          </a:prstGeom>
+          <a:solidFill>
+            <a:schemeClr val="tx1"/>
+          </a:solidFill>
+          <a:ln>
+            <a:noFill/>
+          </a:ln>
+        </p:spPr>
+        <p:txBody>
+          <a:bodyPr wrap="none" rtlCol="0">
+            <a:noAutofit/>
+          </a:bodyPr>
+          <a:lstStyle/>
+          <a:p>
+            <a:r>
+              <a:rPr lang="en-GB" sz="1200" b="1" dirty="0">
+                <a:solidFill>
+                  <a:schemeClr val="bg1"/>
+                </a:solidFill>
+                <a:latin typeface="Calibri" panose="020F0502020204030204" pitchFamily="34" charset="0"/>
+                <a:cs typeface="Calibri" panose="020F0502020204030204" pitchFamily="34" charset="0"/>
+              </a:rPr>
+              <a:t>Acceleration Structure</a:t>
+            </a:r>
+          </a:p>
+        </p:txBody>
+      </p:sp>
+      <p:sp>
+        <p:nvSpPr>
+          <p:cNvPr id="6" name="Oval 5">
+            <a:extLst>
+              <a:ext uri="{FF2B5EF4-FFF2-40B4-BE49-F238E27FC236}">
+                <a16:creationId xmlns:a16="http://schemas.microsoft.com/office/drawing/2014/main" id="{9B425EAD-B79D-4038-A303-2AC2C2CD5EB0}"/>
+              </a:ext>
+            </a:extLst>
+          </p:cNvPr>
+          <p:cNvSpPr>
+            <a:spLocks noChangeAspect="1"/>
+          </p:cNvSpPr>
+          <p:nvPr/>
+        </p:nvSpPr>
+        <p:spPr>
+          <a:xfrm>
+            <a:off x="5276288" y="3018789"/>
+            <a:ext cx="85196" cy="76384"/>
+          </a:xfrm>
+          <a:prstGeom prst="ellipse">
+            <a:avLst/>
+          </a:prstGeom>
+          <a:solidFill>
+            <a:schemeClr val="tx1"/>
+          </a:solidFill>
+          <a:ln>
+            <a:noFill/>
+          </a:ln>
+        </p:spPr>
+        <p:style>
+          <a:lnRef idx="2">
+            <a:schemeClr val="accent1">
+              <a:shade val="50000"/>
+            </a:schemeClr>
+          </a:lnRef>
+          <a:fillRef idx="1">
+            <a:schemeClr val="accent1"/>
+          </a:fillRef>
+          <a:effectRef idx="0">
+            <a:schemeClr val="accent1"/>
+          </a:effectRef>
+          <a:fontRef idx="minor">
+            <a:schemeClr val="lt1"/>
+          </a:fontRef>
+        </p:style>
+        <p:txBody>
+          <a:bodyPr rtlCol="0" anchor="ctr"/>
+          <a:lstStyle/>
+          <a:p>
+            <a:pPr algn="ctr"/>
+            <a:endParaRPr lang="en-GB"/>
+          </a:p>
+        </p:txBody>
+      </p:sp>
+      <p:cxnSp>
+        <p:nvCxnSpPr>
+          <p:cNvPr id="4" name="Connector: Elbow 3">
+            <a:extLst>
+              <a:ext uri="{FF2B5EF4-FFF2-40B4-BE49-F238E27FC236}">
+                <a16:creationId xmlns:a16="http://schemas.microsoft.com/office/drawing/2014/main" id="{734D198B-8559-4A65-B869-38251A0692B3}"/>
+              </a:ext>
+            </a:extLst>
+          </p:cNvPr>
+          <p:cNvCxnSpPr>
+            <a:cxnSpLocks/>
+            <a:stCxn id="6" idx="0"/>
+            <a:endCxn id="5" idx="1"/>
+          </p:cNvCxnSpPr>
+          <p:nvPr/>
+        </p:nvCxnSpPr>
+        <p:spPr>
+          <a:xfrm rot="5400000" flipH="1" flipV="1">
+            <a:off x="7089693" y="886378"/>
+            <a:ext cx="361604" cy="3903218"/>
+          </a:xfrm>
+          <a:prstGeom prst="bentConnector2">
+            <a:avLst/>
+          </a:prstGeom>
+          <a:ln w="19050">
+            <a:solidFill>
+              <a:schemeClr val="tx1"/>
+            </a:solidFill>
+            <a:headEnd type="none" w="med" len="med"/>
+            <a:tailEnd type="none" w="med" len="med"/>
+          </a:ln>
+        </p:spPr>
+        <p:style>
+          <a:lnRef idx="1">
+            <a:schemeClr val="accent1"/>
+          </a:lnRef>
+          <a:fillRef idx="0">
+            <a:schemeClr val="accent1"/>
+          </a:fillRef>
+          <a:effectRef idx="0">
+            <a:schemeClr val="accent1"/>
+          </a:effectRef>
+          <a:fontRef idx="minor">
+            <a:schemeClr val="tx1"/>
+          </a:fontRef>
+        </p:style>
+      </p:cxnSp>
+      <p:sp>
+        <p:nvSpPr>
+          <p:cNvPr id="10" name="TextBox 9">
+            <a:extLst>
+              <a:ext uri="{FF2B5EF4-FFF2-40B4-BE49-F238E27FC236}">
+                <a16:creationId xmlns:a16="http://schemas.microsoft.com/office/drawing/2014/main" id="{3E5526AB-A7F1-4F24-A75B-ECBF65DA285D}"/>
+              </a:ext>
+            </a:extLst>
+          </p:cNvPr>
+          <p:cNvSpPr txBox="1"/>
+          <p:nvPr/>
+        </p:nvSpPr>
+        <p:spPr>
+          <a:xfrm>
+            <a:off x="9222104" y="3420230"/>
+            <a:ext cx="2680571" cy="480148"/>
+          </a:xfrm>
+          <a:prstGeom prst="rect">
+            <a:avLst/>
+          </a:prstGeom>
+          <a:solidFill>
+            <a:schemeClr val="tx1"/>
+          </a:solidFill>
+          <a:ln>
+            <a:noFill/>
+          </a:ln>
+        </p:spPr>
+        <p:txBody>
+          <a:bodyPr wrap="none" rtlCol="0">
+            <a:noAutofit/>
+          </a:bodyPr>
+          <a:lstStyle/>
+          <a:p>
+            <a:r>
+              <a:rPr lang="en-GB" sz="1200" b="1" dirty="0">
+                <a:solidFill>
+                  <a:schemeClr val="bg1"/>
+                </a:solidFill>
+                <a:latin typeface="Calibri" panose="020F0502020204030204" pitchFamily="34" charset="0"/>
+                <a:cs typeface="Calibri" panose="020F0502020204030204" pitchFamily="34" charset="0"/>
+              </a:rPr>
+              <a:t>Debug ray</a:t>
+            </a:r>
+          </a:p>
+        </p:txBody>
+      </p:sp>
+      <p:sp>
+        <p:nvSpPr>
+          <p:cNvPr id="14" name="Oval 13">
+            <a:extLst>
+              <a:ext uri="{FF2B5EF4-FFF2-40B4-BE49-F238E27FC236}">
+                <a16:creationId xmlns:a16="http://schemas.microsoft.com/office/drawing/2014/main" id="{DCB629D0-DAB6-4B30-99AF-099633149813}"/>
+              </a:ext>
+            </a:extLst>
+          </p:cNvPr>
+          <p:cNvSpPr>
+            <a:spLocks noChangeAspect="1"/>
+          </p:cNvSpPr>
+          <p:nvPr/>
+        </p:nvSpPr>
+        <p:spPr>
+          <a:xfrm>
+            <a:off x="6159975" y="4143824"/>
+            <a:ext cx="85196" cy="76384"/>
+          </a:xfrm>
+          <a:prstGeom prst="ellipse">
+            <a:avLst/>
+          </a:prstGeom>
+          <a:solidFill>
+            <a:schemeClr val="tx1"/>
+          </a:solidFill>
+          <a:ln>
+            <a:noFill/>
+          </a:ln>
+        </p:spPr>
+        <p:style>
+          <a:lnRef idx="2">
+            <a:schemeClr val="accent1">
+              <a:shade val="50000"/>
+            </a:schemeClr>
+          </a:lnRef>
+          <a:fillRef idx="1">
+            <a:schemeClr val="accent1"/>
+          </a:fillRef>
+          <a:effectRef idx="0">
+            <a:schemeClr val="accent1"/>
+          </a:effectRef>
+          <a:fontRef idx="minor">
+            <a:schemeClr val="lt1"/>
+          </a:fontRef>
+        </p:style>
+        <p:txBody>
+          <a:bodyPr rtlCol="0" anchor="ctr"/>
+          <a:lstStyle/>
+          <a:p>
+            <a:pPr algn="ctr"/>
+            <a:endParaRPr lang="en-GB"/>
+          </a:p>
+        </p:txBody>
+      </p:sp>
+      <p:cxnSp>
+        <p:nvCxnSpPr>
+          <p:cNvPr id="15" name="Connector: Elbow 14">
+            <a:extLst>
+              <a:ext uri="{FF2B5EF4-FFF2-40B4-BE49-F238E27FC236}">
+                <a16:creationId xmlns:a16="http://schemas.microsoft.com/office/drawing/2014/main" id="{3A51A033-A816-45D6-8A88-A37F33D4658A}"/>
+              </a:ext>
+            </a:extLst>
+          </p:cNvPr>
+          <p:cNvCxnSpPr>
+            <a:cxnSpLocks/>
+            <a:endCxn id="10" idx="1"/>
+          </p:cNvCxnSpPr>
+          <p:nvPr/>
+        </p:nvCxnSpPr>
+        <p:spPr>
+          <a:xfrm flipV="1">
+            <a:off x="6202573" y="3660304"/>
+            <a:ext cx="3019531" cy="522973"/>
+          </a:xfrm>
+          <a:prstGeom prst="bentConnector3">
+            <a:avLst>
+              <a:gd name="adj1" fmla="val 50000"/>
+            </a:avLst>
+          </a:prstGeom>
+          <a:ln w="19050">
+            <a:solidFill>
+              <a:schemeClr val="tx1"/>
+            </a:solidFill>
+            <a:headEnd type="none" w="med" len="med"/>
+            <a:tailEnd type="none" w="med" len="med"/>
+          </a:ln>
+        </p:spPr>
+        <p:style>
+          <a:lnRef idx="1">
+            <a:schemeClr val="accent1"/>
+          </a:lnRef>
+          <a:fillRef idx="0">
+            <a:schemeClr val="accent1"/>
+          </a:fillRef>
+          <a:effectRef idx="0">
+            <a:schemeClr val="accent1"/>
+          </a:effectRef>
+          <a:fontRef idx="minor">
+            <a:schemeClr val="tx1"/>
+          </a:fontRef>
+        </p:style>
+      </p:cxnSp>
+      <p:sp>
+        <p:nvSpPr>
+          <p:cNvPr id="51" name="Google Shape;166;p21">
+            <a:extLst>
+              <a:ext uri="{FF2B5EF4-FFF2-40B4-BE49-F238E27FC236}">
+                <a16:creationId xmlns:a16="http://schemas.microsoft.com/office/drawing/2014/main" id="{2239FD9E-4032-44B3-9DC9-F50C7A1129B8}"/>
+              </a:ext>
+            </a:extLst>
+          </p:cNvPr>
+          <p:cNvSpPr txBox="1">
+            <a:spLocks noGrp="1"/>
+          </p:cNvSpPr>
+          <p:nvPr>
+            <p:ph type="sldNum" idx="12"/>
+          </p:nvPr>
+        </p:nvSpPr>
+        <p:spPr>
+          <a:xfrm>
+            <a:off x="8610600" y="6356350"/>
+            <a:ext cx="2743200" cy="365100"/>
+          </a:xfrm>
+          <a:prstGeom prst="rect">
+            <a:avLst/>
+          </a:prstGeom>
+        </p:spPr>
+        <p:txBody>
+          <a:bodyPr spcFirstLastPara="1" wrap="square" lIns="91425" tIns="45700" rIns="91425" bIns="45700" anchor="ctr" anchorCtr="0">
+            <a:noAutofit/>
+          </a:bodyPr>
+          <a:lstStyle/>
+          <a:p>
+            <a:pPr marL="0" lvl="0" indent="0" algn="r" rtl="0">
+              <a:spcBef>
+                <a:spcPts val="0"/>
+              </a:spcBef>
+              <a:spcAft>
+                <a:spcPts val="0"/>
+              </a:spcAft>
+              <a:buClr>
+                <a:srgbClr val="000000"/>
+              </a:buClr>
+              <a:buSzPts val="1200"/>
+              <a:buFont typeface="Arial"/>
+              <a:buNone/>
+            </a:pPr>
+            <a:fld id="{00000000-1234-1234-1234-123412341234}" type="slidenum">
+              <a:rPr lang="de-DE">
+                <a:latin typeface="Calibri" panose="020F0502020204030204" pitchFamily="34" charset="0"/>
+                <a:cs typeface="Calibri" panose="020F0502020204030204" pitchFamily="34" charset="0"/>
+              </a:rPr>
+              <a:t>10</a:t>
+            </a:fld>
+            <a:endParaRPr dirty="0">
+              <a:latin typeface="Calibri" panose="020F0502020204030204" pitchFamily="34" charset="0"/>
+              <a:cs typeface="Calibri" panose="020F0502020204030204" pitchFamily="34" charset="0"/>
+            </a:endParaRPr>
+          </a:p>
+        </p:txBody>
+      </p:sp>
+    </p:spTree>
+    <p:extLst>
+      <p:ext uri="{BB962C8B-B14F-4D97-AF65-F5344CB8AC3E}">
+        <p14:creationId xmlns:p14="http://schemas.microsoft.com/office/powerpoint/2010/main" val="2203556966"/>
+      </p:ext>
+    </p:extLst>
+  </p:cSld>
+  <p:clrMapOvr>
+    <a:masterClrMapping/>
+  </p:clrMapOvr>
+</p:sld>
+</file>
+
+<file path=ppt/slides/slide11.xml><?xml version="1.0" encoding="utf-8"?>
+<p:sld xmlns:a="http://schemas.openxmlformats.org/drawingml/2006/main" xmlns:r="http://schemas.openxmlformats.org/officeDocument/2006/relationships" xmlns:p="http://schemas.openxmlformats.org/presentationml/2006/main">
+  <p:cSld>
+    <p:spTree>
+      <p:nvGrpSpPr>
         <p:cNvPr id="1" name="Shape 92"/>
         <p:cNvGrpSpPr/>
         <p:nvPr/>
@@ -5429,7 +5874,7 @@
             </a:pPr>
             <a:fld id="{00000000-1234-1234-1234-123412341234}" type="slidenum">
               <a:rPr lang="de-DE"/>
-              <a:t>10</a:t>
+              <a:t>11</a:t>
             </a:fld>
             <a:endParaRPr/>
           </a:p>
@@ -5633,7 +6078,7 @@
 </p:sld>
 </file>
 
-<file path=ppt/slides/slide11.xml><?xml version="1.0" encoding="utf-8"?>
+<file path=ppt/slides/slide12.xml><?xml version="1.0" encoding="utf-8"?>
 <p:sld xmlns:a="http://schemas.openxmlformats.org/drawingml/2006/main" xmlns:r="http://schemas.openxmlformats.org/officeDocument/2006/relationships" xmlns:p="http://schemas.openxmlformats.org/presentationml/2006/main">
   <p:cSld>
     <p:spTree>
@@ -6691,7 +7136,7 @@
                 <a:latin typeface="Calibri" panose="020F0502020204030204" pitchFamily="34" charset="0"/>
                 <a:cs typeface="Calibri" panose="020F0502020204030204" pitchFamily="34" charset="0"/>
               </a:rPr>
-              <a:t>11</a:t>
+              <a:t>12</a:t>
             </a:fld>
             <a:endParaRPr dirty="0">
               <a:latin typeface="Calibri" panose="020F0502020204030204" pitchFamily="34" charset="0"/>
@@ -6782,7 +7227,7 @@
 </p:sld>
 </file>
 
-<file path=ppt/slides/slide12.xml><?xml version="1.0" encoding="utf-8"?>
+<file path=ppt/slides/slide13.xml><?xml version="1.0" encoding="utf-8"?>
 <p:sld xmlns:a="http://schemas.openxmlformats.org/drawingml/2006/main" xmlns:r="http://schemas.openxmlformats.org/officeDocument/2006/relationships" xmlns:p="http://schemas.openxmlformats.org/presentationml/2006/main">
   <p:cSld>
     <p:spTree>
@@ -7089,7 +7534,7 @@
             </a:pPr>
             <a:fld id="{00000000-1234-1234-1234-123412341234}" type="slidenum">
               <a:rPr lang="de-DE"/>
-              <a:t>12</a:t>
+              <a:t>13</a:t>
             </a:fld>
             <a:endParaRPr/>
           </a:p>
@@ -7293,7 +7738,7 @@
 </p:sld>
 </file>
 
-<file path=ppt/slides/slide13.xml><?xml version="1.0" encoding="utf-8"?>
+<file path=ppt/slides/slide14.xml><?xml version="1.0" encoding="utf-8"?>
 <p:sld xmlns:a="http://schemas.openxmlformats.org/drawingml/2006/main" xmlns:r="http://schemas.openxmlformats.org/officeDocument/2006/relationships" xmlns:p="http://schemas.openxmlformats.org/presentationml/2006/main">
   <p:cSld>
     <p:spTree>
@@ -7390,7 +7835,7 @@
                 <a:latin typeface="Calibri" panose="020F0502020204030204" pitchFamily="34" charset="0"/>
                 <a:cs typeface="Calibri" panose="020F0502020204030204" pitchFamily="34" charset="0"/>
               </a:rPr>
-              <a:t>13</a:t>
+              <a:t>14</a:t>
             </a:fld>
             <a:endParaRPr dirty="0">
               <a:latin typeface="Calibri" panose="020F0502020204030204" pitchFamily="34" charset="0"/>
@@ -7413,485 +7858,7 @@
 </file>
 
 <file path=ppt/slides/slide2.xml><?xml version="1.0" encoding="utf-8"?>
-<p:sld xmlns:a="http://schemas.openxmlformats.org/drawingml/2006/main" xmlns:r="http://schemas.openxmlformats.org/officeDocument/2006/relationships" xmlns:p="http://schemas.openxmlformats.org/presentationml/2006/main">
-  <p:cSld>
-    <p:spTree>
-      <p:nvGrpSpPr>
-        <p:cNvPr id="1" name="Shape 92"/>
-        <p:cNvGrpSpPr/>
-        <p:nvPr/>
-      </p:nvGrpSpPr>
-      <p:grpSpPr>
-        <a:xfrm>
-          <a:off x="0" y="0"/>
-          <a:ext cx="0" cy="0"/>
-          <a:chOff x="0" y="0"/>
-          <a:chExt cx="0" cy="0"/>
-        </a:xfrm>
-      </p:grpSpPr>
-      <p:sp>
-        <p:nvSpPr>
-          <p:cNvPr id="93" name="Google Shape;93;p14"/>
-          <p:cNvSpPr txBox="1">
-            <a:spLocks noGrp="1"/>
-          </p:cNvSpPr>
-          <p:nvPr>
-            <p:ph type="title"/>
-          </p:nvPr>
-        </p:nvSpPr>
-        <p:spPr>
-          <a:xfrm>
-            <a:off x="838200" y="365125"/>
-            <a:ext cx="10515600" cy="1325563"/>
-          </a:xfrm>
-          <a:prstGeom prst="rect">
-            <a:avLst/>
-          </a:prstGeom>
-          <a:noFill/>
-          <a:ln>
-            <a:noFill/>
-          </a:ln>
-        </p:spPr>
-        <p:txBody>
-          <a:bodyPr spcFirstLastPara="1" wrap="square" lIns="91425" tIns="45700" rIns="91425" bIns="45700" anchor="ctr" anchorCtr="0">
-            <a:noAutofit/>
-          </a:bodyPr>
-          <a:lstStyle/>
-          <a:p>
-            <a:pPr marL="0" lvl="0" indent="0" algn="l" rtl="0">
-              <a:lnSpc>
-                <a:spcPct val="90000"/>
-              </a:lnSpc>
-              <a:spcBef>
-                <a:spcPts val="0"/>
-              </a:spcBef>
-              <a:spcAft>
-                <a:spcPts val="0"/>
-              </a:spcAft>
-              <a:buClr>
-                <a:schemeClr val="dk1"/>
-              </a:buClr>
-              <a:buSzPts val="4400"/>
-              <a:buFont typeface="Calibri"/>
-              <a:buNone/>
-            </a:pPr>
-            <a:r>
-              <a:rPr lang="de-DE" dirty="0"/>
-              <a:t>Agenda</a:t>
-            </a:r>
-            <a:endParaRPr dirty="0"/>
-          </a:p>
-        </p:txBody>
-      </p:sp>
-      <p:sp>
-        <p:nvSpPr>
-          <p:cNvPr id="95" name="Google Shape;95;p14"/>
-          <p:cNvSpPr txBox="1"/>
-          <p:nvPr/>
-        </p:nvSpPr>
-        <p:spPr>
-          <a:xfrm>
-            <a:off x="889000" y="2674961"/>
-            <a:ext cx="8269973" cy="523220"/>
-          </a:xfrm>
-          <a:prstGeom prst="rect">
-            <a:avLst/>
-          </a:prstGeom>
-          <a:noFill/>
-          <a:ln>
-            <a:noFill/>
-          </a:ln>
-        </p:spPr>
-        <p:txBody>
-          <a:bodyPr spcFirstLastPara="1" wrap="square" lIns="91425" tIns="45700" rIns="91425" bIns="45700" anchor="t" anchorCtr="0">
-            <a:noAutofit/>
-          </a:bodyPr>
-          <a:lstStyle/>
-          <a:p>
-            <a:pPr marL="0" marR="0" lvl="0" indent="0" algn="l" rtl="0">
-              <a:lnSpc>
-                <a:spcPct val="100000"/>
-              </a:lnSpc>
-              <a:spcBef>
-                <a:spcPts val="0"/>
-              </a:spcBef>
-              <a:spcAft>
-                <a:spcPts val="0"/>
-              </a:spcAft>
-              <a:buClr>
-                <a:srgbClr val="000000"/>
-              </a:buClr>
-              <a:buSzPts val="2800"/>
-              <a:buFont typeface="Arial"/>
-              <a:buNone/>
-            </a:pPr>
-            <a:r>
-              <a:rPr lang="en-GB" sz="2800" dirty="0">
-                <a:solidFill>
-                  <a:schemeClr val="dk1"/>
-                </a:solidFill>
-                <a:latin typeface="Calibri"/>
-                <a:ea typeface="Calibri"/>
-                <a:cs typeface="Calibri"/>
-                <a:sym typeface="Calibri"/>
-              </a:rPr>
-              <a:t>Acceleration structure statistics</a:t>
-            </a:r>
-            <a:endParaRPr lang="en-GB" sz="2800" b="0" i="0" u="none" strike="noStrike" cap="none" dirty="0">
-              <a:solidFill>
-                <a:schemeClr val="dk1"/>
-              </a:solidFill>
-              <a:latin typeface="Calibri"/>
-              <a:ea typeface="Calibri"/>
-              <a:cs typeface="Calibri"/>
-              <a:sym typeface="Calibri"/>
-            </a:endParaRPr>
-          </a:p>
-        </p:txBody>
-      </p:sp>
-      <p:sp>
-        <p:nvSpPr>
-          <p:cNvPr id="96" name="Google Shape;96;p14"/>
-          <p:cNvSpPr txBox="1"/>
-          <p:nvPr/>
-        </p:nvSpPr>
-        <p:spPr>
-          <a:xfrm>
-            <a:off x="889000" y="3376007"/>
-            <a:ext cx="8269973" cy="523220"/>
-          </a:xfrm>
-          <a:prstGeom prst="rect">
-            <a:avLst/>
-          </a:prstGeom>
-          <a:noFill/>
-          <a:ln>
-            <a:noFill/>
-          </a:ln>
-        </p:spPr>
-        <p:txBody>
-          <a:bodyPr spcFirstLastPara="1" wrap="square" lIns="91425" tIns="45700" rIns="91425" bIns="45700" anchor="t" anchorCtr="0">
-            <a:noAutofit/>
-          </a:bodyPr>
-          <a:lstStyle/>
-          <a:p>
-            <a:pPr marL="0" marR="0" lvl="0" indent="0" algn="l" rtl="0">
-              <a:lnSpc>
-                <a:spcPct val="100000"/>
-              </a:lnSpc>
-              <a:spcBef>
-                <a:spcPts val="0"/>
-              </a:spcBef>
-              <a:spcAft>
-                <a:spcPts val="0"/>
-              </a:spcAft>
-              <a:buClr>
-                <a:srgbClr val="000000"/>
-              </a:buClr>
-              <a:buSzPts val="2800"/>
-              <a:buFont typeface="Arial"/>
-              <a:buNone/>
-            </a:pPr>
-            <a:r>
-              <a:rPr lang="en-GB" sz="2800" b="0" i="0" u="none" strike="noStrike" cap="none" dirty="0">
-                <a:solidFill>
-                  <a:schemeClr val="dk1"/>
-                </a:solidFill>
-                <a:latin typeface="Calibri"/>
-                <a:ea typeface="Calibri"/>
-                <a:cs typeface="Calibri"/>
-                <a:sym typeface="Calibri"/>
-              </a:rPr>
-              <a:t>Example 1: Minimum Requirements</a:t>
-            </a:r>
-          </a:p>
-        </p:txBody>
-      </p:sp>
-      <p:sp>
-        <p:nvSpPr>
-          <p:cNvPr id="97" name="Google Shape;97;p14"/>
-          <p:cNvSpPr txBox="1"/>
-          <p:nvPr/>
-        </p:nvSpPr>
-        <p:spPr>
-          <a:xfrm>
-            <a:off x="889000" y="4077053"/>
-            <a:ext cx="8269973" cy="523220"/>
-          </a:xfrm>
-          <a:prstGeom prst="rect">
-            <a:avLst/>
-          </a:prstGeom>
-          <a:noFill/>
-          <a:ln>
-            <a:noFill/>
-          </a:ln>
-        </p:spPr>
-        <p:txBody>
-          <a:bodyPr spcFirstLastPara="1" wrap="square" lIns="91425" tIns="45700" rIns="91425" bIns="45700" anchor="t" anchorCtr="0">
-            <a:noAutofit/>
-          </a:bodyPr>
-          <a:lstStyle/>
-          <a:p>
-            <a:pPr lvl="0">
-              <a:buClr>
-                <a:schemeClr val="dk1"/>
-              </a:buClr>
-              <a:buSzPts val="2800"/>
-            </a:pPr>
-            <a:r>
-              <a:rPr lang="en-US" sz="2800" dirty="0">
-                <a:ea typeface="Calibri"/>
-                <a:cs typeface="Calibri"/>
-                <a:sym typeface="Calibri"/>
-              </a:rPr>
-              <a:t>Example 2: Acceleration Structure</a:t>
-            </a:r>
-          </a:p>
-        </p:txBody>
-      </p:sp>
-      <p:sp>
-        <p:nvSpPr>
-          <p:cNvPr id="99" name="Google Shape;99;p14"/>
-          <p:cNvSpPr txBox="1">
-            <a:spLocks noGrp="1"/>
-          </p:cNvSpPr>
-          <p:nvPr>
-            <p:ph type="sldNum" idx="12"/>
-          </p:nvPr>
-        </p:nvSpPr>
-        <p:spPr>
-          <a:xfrm>
-            <a:off x="8610600" y="6356350"/>
-            <a:ext cx="2743200" cy="365100"/>
-          </a:xfrm>
-          <a:prstGeom prst="rect">
-            <a:avLst/>
-          </a:prstGeom>
-        </p:spPr>
-        <p:txBody>
-          <a:bodyPr spcFirstLastPara="1" wrap="square" lIns="91425" tIns="45700" rIns="91425" bIns="45700" anchor="ctr" anchorCtr="0">
-            <a:noAutofit/>
-          </a:bodyPr>
-          <a:lstStyle/>
-          <a:p>
-            <a:pPr marL="0" lvl="0" indent="0" algn="r" rtl="0">
-              <a:spcBef>
-                <a:spcPts val="0"/>
-              </a:spcBef>
-              <a:spcAft>
-                <a:spcPts val="0"/>
-              </a:spcAft>
-              <a:buClr>
-                <a:srgbClr val="000000"/>
-              </a:buClr>
-              <a:buSzPts val="1200"/>
-              <a:buFont typeface="Arial"/>
-              <a:buNone/>
-            </a:pPr>
-            <a:fld id="{00000000-1234-1234-1234-123412341234}" type="slidenum">
-              <a:rPr lang="de-DE"/>
-              <a:t>2</a:t>
-            </a:fld>
-            <a:endParaRPr/>
-          </a:p>
-        </p:txBody>
-      </p:sp>
-      <p:sp>
-        <p:nvSpPr>
-          <p:cNvPr id="11" name="Google Shape;95;p14">
-            <a:extLst>
-              <a:ext uri="{FF2B5EF4-FFF2-40B4-BE49-F238E27FC236}">
-                <a16:creationId xmlns:a16="http://schemas.microsoft.com/office/drawing/2014/main" id="{CA617A29-8358-48CB-811E-F941EDD23404}"/>
-              </a:ext>
-            </a:extLst>
-          </p:cNvPr>
-          <p:cNvSpPr txBox="1"/>
-          <p:nvPr/>
-        </p:nvSpPr>
-        <p:spPr>
-          <a:xfrm>
-            <a:off x="889000" y="1973915"/>
-            <a:ext cx="8269973" cy="523220"/>
-          </a:xfrm>
-          <a:prstGeom prst="rect">
-            <a:avLst/>
-          </a:prstGeom>
-          <a:solidFill>
-            <a:schemeClr val="tx1"/>
-          </a:solidFill>
-          <a:ln>
-            <a:noFill/>
-          </a:ln>
-        </p:spPr>
-        <p:txBody>
-          <a:bodyPr spcFirstLastPara="1" wrap="square" lIns="91425" tIns="45700" rIns="91425" bIns="45700" anchor="t" anchorCtr="0">
-            <a:noAutofit/>
-          </a:bodyPr>
-          <a:lstStyle/>
-          <a:p>
-            <a:pPr marL="0" marR="0" lvl="0" indent="0" algn="l" rtl="0">
-              <a:lnSpc>
-                <a:spcPct val="100000"/>
-              </a:lnSpc>
-              <a:spcBef>
-                <a:spcPts val="0"/>
-              </a:spcBef>
-              <a:spcAft>
-                <a:spcPts val="0"/>
-              </a:spcAft>
-              <a:buClr>
-                <a:srgbClr val="000000"/>
-              </a:buClr>
-              <a:buSzPts val="2800"/>
-              <a:buFont typeface="Arial"/>
-              <a:buNone/>
-            </a:pPr>
-            <a:r>
-              <a:rPr lang="en-GB" sz="2800" b="1" dirty="0">
-                <a:solidFill>
-                  <a:schemeClr val="bg1"/>
-                </a:solidFill>
-                <a:latin typeface="Calibri"/>
-                <a:ea typeface="Calibri"/>
-                <a:cs typeface="Calibri"/>
-                <a:sym typeface="Calibri"/>
-              </a:rPr>
-              <a:t>Features Implemented</a:t>
-            </a:r>
-            <a:endParaRPr lang="en-GB" sz="2800" b="1" i="0" u="none" strike="noStrike" cap="none" dirty="0">
-              <a:solidFill>
-                <a:schemeClr val="bg1"/>
-              </a:solidFill>
-              <a:latin typeface="Calibri"/>
-              <a:ea typeface="Calibri"/>
-              <a:cs typeface="Calibri"/>
-              <a:sym typeface="Calibri"/>
-            </a:endParaRPr>
-          </a:p>
-        </p:txBody>
-      </p:sp>
-      <p:sp>
-        <p:nvSpPr>
-          <p:cNvPr id="9" name="Google Shape;97;p14">
-            <a:extLst>
-              <a:ext uri="{FF2B5EF4-FFF2-40B4-BE49-F238E27FC236}">
-                <a16:creationId xmlns:a16="http://schemas.microsoft.com/office/drawing/2014/main" id="{4EEC1AB5-9D19-4B41-A2E0-54176F5B2C17}"/>
-              </a:ext>
-            </a:extLst>
-          </p:cNvPr>
-          <p:cNvSpPr txBox="1"/>
-          <p:nvPr/>
-        </p:nvSpPr>
-        <p:spPr>
-          <a:xfrm>
-            <a:off x="888999" y="4778099"/>
-            <a:ext cx="8269973" cy="523220"/>
-          </a:xfrm>
-          <a:prstGeom prst="rect">
-            <a:avLst/>
-          </a:prstGeom>
-          <a:noFill/>
-          <a:ln>
-            <a:noFill/>
-          </a:ln>
-        </p:spPr>
-        <p:txBody>
-          <a:bodyPr spcFirstLastPara="1" wrap="square" lIns="91425" tIns="45700" rIns="91425" bIns="45700" anchor="t" anchorCtr="0">
-            <a:noAutofit/>
-          </a:bodyPr>
-          <a:lstStyle/>
-          <a:p>
-            <a:pPr lvl="0">
-              <a:buClr>
-                <a:schemeClr val="dk1"/>
-              </a:buClr>
-              <a:buSzPts val="2800"/>
-            </a:pPr>
-            <a:r>
-              <a:rPr lang="en-GB" sz="2800" dirty="0">
-                <a:solidFill>
-                  <a:schemeClr val="dk1"/>
-                </a:solidFill>
-                <a:ea typeface="Calibri"/>
-                <a:cs typeface="Calibri"/>
-                <a:sym typeface="Calibri"/>
-              </a:rPr>
-              <a:t>Example 3: An illustration of corner cases</a:t>
-            </a:r>
-          </a:p>
-        </p:txBody>
-      </p:sp>
-      <p:sp>
-        <p:nvSpPr>
-          <p:cNvPr id="10" name="Google Shape;97;p14">
-            <a:extLst>
-              <a:ext uri="{FF2B5EF4-FFF2-40B4-BE49-F238E27FC236}">
-                <a16:creationId xmlns:a16="http://schemas.microsoft.com/office/drawing/2014/main" id="{93FC8167-F807-EB46-BB2F-8827DBC60A2A}"/>
-              </a:ext>
-            </a:extLst>
-          </p:cNvPr>
-          <p:cNvSpPr txBox="1"/>
-          <p:nvPr/>
-        </p:nvSpPr>
-        <p:spPr>
-          <a:xfrm>
-            <a:off x="888999" y="5479145"/>
-            <a:ext cx="8269973" cy="523220"/>
-          </a:xfrm>
-          <a:prstGeom prst="rect">
-            <a:avLst/>
-          </a:prstGeom>
-          <a:noFill/>
-          <a:ln>
-            <a:noFill/>
-          </a:ln>
-        </p:spPr>
-        <p:txBody>
-          <a:bodyPr spcFirstLastPara="1" wrap="square" lIns="91425" tIns="45700" rIns="91425" bIns="45700" anchor="t" anchorCtr="0">
-            <a:noAutofit/>
-          </a:bodyPr>
-          <a:lstStyle/>
-          <a:p>
-            <a:pPr marL="0" lvl="0" indent="0" algn="l" rtl="0">
-              <a:spcBef>
-                <a:spcPts val="0"/>
-              </a:spcBef>
-              <a:spcAft>
-                <a:spcPts val="0"/>
-              </a:spcAft>
-              <a:buClr>
-                <a:schemeClr val="dk1"/>
-              </a:buClr>
-              <a:buSzPts val="2800"/>
-              <a:buFont typeface="Arial"/>
-              <a:buNone/>
-            </a:pPr>
-            <a:r>
-              <a:rPr lang="en-GB" sz="2800" dirty="0">
-                <a:latin typeface="Calibri"/>
-                <a:ea typeface="Calibri"/>
-                <a:cs typeface="Calibri"/>
-                <a:sym typeface="Calibri"/>
-              </a:rPr>
-              <a:t>Final Image</a:t>
-            </a:r>
-          </a:p>
-        </p:txBody>
-      </p:sp>
-    </p:spTree>
-    <p:extLst>
-      <p:ext uri="{BB962C8B-B14F-4D97-AF65-F5344CB8AC3E}">
-        <p14:creationId xmlns:p14="http://schemas.microsoft.com/office/powerpoint/2010/main" val="2266405971"/>
-      </p:ext>
-    </p:extLst>
-  </p:cSld>
-  <p:clrMapOvr>
-    <a:masterClrMapping/>
-  </p:clrMapOvr>
-</p:sld>
-</file>
-
-<file path=ppt/slides/slide3.xml><?xml version="1.0" encoding="utf-8"?>
-<p:sld xmlns:a="http://schemas.openxmlformats.org/drawingml/2006/main" xmlns:r="http://schemas.openxmlformats.org/officeDocument/2006/relationships" xmlns:p="http://schemas.openxmlformats.org/presentationml/2006/main">
+<p:sld xmlns:a="http://schemas.openxmlformats.org/drawingml/2006/main" xmlns:r="http://schemas.openxmlformats.org/officeDocument/2006/relationships" xmlns:p="http://schemas.openxmlformats.org/presentationml/2006/main" show="0">
   <p:cSld>
     <p:spTree>
       <p:nvGrpSpPr>
@@ -7909,10 +7876,10 @@
       </p:grpSpPr>
       <p:sp>
         <p:nvSpPr>
-          <p:cNvPr id="2" name="Title 1">
-            <a:extLst>
-              <a:ext uri="{FF2B5EF4-FFF2-40B4-BE49-F238E27FC236}">
-                <a16:creationId xmlns:a16="http://schemas.microsoft.com/office/drawing/2014/main" id="{FCEEAEEE-A57A-421E-918F-69482A1C79FF}"/>
+          <p:cNvPr id="28" name="Title 27">
+            <a:extLst>
+              <a:ext uri="{FF2B5EF4-FFF2-40B4-BE49-F238E27FC236}">
+                <a16:creationId xmlns:a16="http://schemas.microsoft.com/office/drawing/2014/main" id="{ED88B789-8876-4BD8-A8AC-E8DF4A86BDF3}"/>
               </a:ext>
             </a:extLst>
           </p:cNvPr>
@@ -7923,277 +7890,31 @@
             <p:ph type="title"/>
           </p:nvPr>
         </p:nvSpPr>
-        <p:spPr/>
-        <p:txBody>
-          <a:bodyPr/>
-          <a:lstStyle/>
-          <a:p>
-            <a:r>
-              <a:rPr lang="de-DE" dirty="0"/>
-              <a:t>Feature Implementation</a:t>
-            </a:r>
-            <a:endParaRPr lang="en-GB" dirty="0"/>
-          </a:p>
-        </p:txBody>
-      </p:sp>
-      <p:sp>
-        <p:nvSpPr>
-          <p:cNvPr id="49" name="TextBox 48">
-            <a:extLst>
-              <a:ext uri="{FF2B5EF4-FFF2-40B4-BE49-F238E27FC236}">
-                <a16:creationId xmlns:a16="http://schemas.microsoft.com/office/drawing/2014/main" id="{67203BF1-3A6B-479F-9C08-F307953B92AE}"/>
-              </a:ext>
-            </a:extLst>
-          </p:cNvPr>
-          <p:cNvSpPr txBox="1"/>
-          <p:nvPr/>
-        </p:nvSpPr>
-        <p:spPr>
-          <a:xfrm>
-            <a:off x="3496094" y="1955349"/>
-            <a:ext cx="4271349" cy="369332"/>
-          </a:xfrm>
-          <a:prstGeom prst="rect">
-            <a:avLst/>
-          </a:prstGeom>
-          <a:noFill/>
-        </p:spPr>
-        <p:txBody>
-          <a:bodyPr wrap="square" rtlCol="0">
-            <a:spAutoFit/>
+        <p:spPr>
+          <a:xfrm>
+            <a:off x="838200" y="365125"/>
+            <a:ext cx="10515600" cy="1325563"/>
+          </a:xfrm>
+        </p:spPr>
+        <p:txBody>
+          <a:bodyPr>
+            <a:normAutofit/>
           </a:bodyPr>
           <a:lstStyle/>
           <a:p>
-            <a:pPr algn="ctr"/>
-            <a:r>
-              <a:rPr lang="de-DE" b="1" dirty="0"/>
-              <a:t>Features</a:t>
-            </a:r>
-            <a:endParaRPr lang="en-GB" b="1" dirty="0"/>
-          </a:p>
-        </p:txBody>
-      </p:sp>
-      <p:sp>
-        <p:nvSpPr>
-          <p:cNvPr id="45" name="Rectangle 44">
-            <a:extLst>
-              <a:ext uri="{FF2B5EF4-FFF2-40B4-BE49-F238E27FC236}">
-                <a16:creationId xmlns:a16="http://schemas.microsoft.com/office/drawing/2014/main" id="{B11AF628-8A80-40CB-806D-46C296788BED}"/>
-              </a:ext>
-            </a:extLst>
-          </p:cNvPr>
-          <p:cNvSpPr/>
-          <p:nvPr/>
-        </p:nvSpPr>
-        <p:spPr>
-          <a:xfrm>
-            <a:off x="980923" y="1541357"/>
-            <a:ext cx="8674212" cy="5016639"/>
-          </a:xfrm>
-          <a:prstGeom prst="rect">
-            <a:avLst/>
-          </a:prstGeom>
-          <a:solidFill>
-            <a:schemeClr val="bg2"/>
-          </a:solidFill>
-          <a:ln>
-            <a:noFill/>
-          </a:ln>
-        </p:spPr>
-        <p:style>
-          <a:lnRef idx="2">
-            <a:schemeClr val="accent1">
-              <a:shade val="50000"/>
-            </a:schemeClr>
-          </a:lnRef>
-          <a:fillRef idx="1">
-            <a:schemeClr val="accent1"/>
-          </a:fillRef>
-          <a:effectRef idx="0">
-            <a:schemeClr val="accent1"/>
-          </a:effectRef>
-          <a:fontRef idx="minor">
-            <a:schemeClr val="lt1"/>
-          </a:fontRef>
-        </p:style>
-        <p:txBody>
-          <a:bodyPr rtlCol="0" anchor="ctr"/>
-          <a:lstStyle/>
-          <a:p>
-            <a:pPr algn="ctr"/>
-            <a:endParaRPr lang="en-GB" sz="1200">
-              <a:latin typeface="Calibri" panose="020F0502020204030204" pitchFamily="34" charset="0"/>
-              <a:cs typeface="Calibri" panose="020F0502020204030204" pitchFamily="34" charset="0"/>
-            </a:endParaRPr>
-          </a:p>
-        </p:txBody>
-      </p:sp>
-      <p:sp>
-        <p:nvSpPr>
-          <p:cNvPr id="70" name="TextBox 69">
-            <a:extLst>
-              <a:ext uri="{FF2B5EF4-FFF2-40B4-BE49-F238E27FC236}">
-                <a16:creationId xmlns:a16="http://schemas.microsoft.com/office/drawing/2014/main" id="{3CDBC5B5-AD20-416B-8B5D-CE4D6205FDA1}"/>
-              </a:ext>
-            </a:extLst>
-          </p:cNvPr>
-          <p:cNvSpPr txBox="1"/>
-          <p:nvPr/>
-        </p:nvSpPr>
-        <p:spPr>
-          <a:xfrm>
-            <a:off x="3496094" y="1519245"/>
-            <a:ext cx="5982322" cy="276999"/>
-          </a:xfrm>
-          <a:prstGeom prst="rect">
-            <a:avLst/>
-          </a:prstGeom>
-          <a:noFill/>
-        </p:spPr>
-        <p:txBody>
-          <a:bodyPr wrap="square" rtlCol="0">
-            <a:spAutoFit/>
-          </a:bodyPr>
-          <a:lstStyle/>
-          <a:p>
-            <a:r>
-              <a:rPr lang="de-DE" sz="1200" b="1" dirty="0"/>
-              <a:t>Status </a:t>
-            </a:r>
-            <a:endParaRPr lang="en-GB" sz="1200" b="1" dirty="0"/>
-          </a:p>
-        </p:txBody>
-      </p:sp>
-      <p:cxnSp>
-        <p:nvCxnSpPr>
-          <p:cNvPr id="71" name="Straight Connector 70">
-            <a:extLst>
-              <a:ext uri="{FF2B5EF4-FFF2-40B4-BE49-F238E27FC236}">
-                <a16:creationId xmlns:a16="http://schemas.microsoft.com/office/drawing/2014/main" id="{E508EC40-A7B8-43D7-93A9-0C545CBABA00}"/>
-              </a:ext>
-            </a:extLst>
-          </p:cNvPr>
-          <p:cNvCxnSpPr>
-            <a:cxnSpLocks/>
-          </p:cNvCxnSpPr>
-          <p:nvPr/>
-        </p:nvCxnSpPr>
-        <p:spPr>
-          <a:xfrm>
-            <a:off x="3496094" y="1805514"/>
-            <a:ext cx="5747419" cy="0"/>
-          </a:xfrm>
-          <a:prstGeom prst="line">
-            <a:avLst/>
-          </a:prstGeom>
-          <a:ln w="9525">
-            <a:solidFill>
-              <a:schemeClr val="tx1"/>
-            </a:solidFill>
-          </a:ln>
-        </p:spPr>
-        <p:style>
-          <a:lnRef idx="1">
-            <a:schemeClr val="accent1"/>
-          </a:lnRef>
-          <a:fillRef idx="0">
-            <a:schemeClr val="accent1"/>
-          </a:fillRef>
-          <a:effectRef idx="0">
-            <a:schemeClr val="accent1"/>
-          </a:effectRef>
-          <a:fontRef idx="minor">
-            <a:schemeClr val="tx1"/>
-          </a:fontRef>
-        </p:style>
-      </p:cxnSp>
-      <p:sp>
-        <p:nvSpPr>
-          <p:cNvPr id="48" name="TextBox 47">
-            <a:extLst>
-              <a:ext uri="{FF2B5EF4-FFF2-40B4-BE49-F238E27FC236}">
-                <a16:creationId xmlns:a16="http://schemas.microsoft.com/office/drawing/2014/main" id="{45EA2A6B-81DC-4E00-AA7A-C3E7DAC78B52}"/>
-              </a:ext>
-            </a:extLst>
-          </p:cNvPr>
-          <p:cNvSpPr txBox="1"/>
-          <p:nvPr/>
-        </p:nvSpPr>
-        <p:spPr>
-          <a:xfrm>
-            <a:off x="9003461" y="1403017"/>
-            <a:ext cx="1977592" cy="830997"/>
-          </a:xfrm>
-          <a:prstGeom prst="rect">
-            <a:avLst/>
-          </a:prstGeom>
-          <a:solidFill>
-            <a:schemeClr val="tx1"/>
-          </a:solidFill>
-          <a:ln>
-            <a:noFill/>
-          </a:ln>
-        </p:spPr>
-        <p:txBody>
-          <a:bodyPr wrap="square" rtlCol="0">
-            <a:spAutoFit/>
-          </a:bodyPr>
-          <a:lstStyle/>
-          <a:p>
-            <a:endParaRPr lang="de-DE" sz="1200" b="1" dirty="0">
-              <a:solidFill>
-                <a:schemeClr val="bg1"/>
-              </a:solidFill>
-              <a:latin typeface="Calibri" panose="020F0502020204030204" pitchFamily="34" charset="0"/>
-              <a:cs typeface="Calibri" panose="020F0502020204030204" pitchFamily="34" charset="0"/>
-            </a:endParaRPr>
-          </a:p>
-          <a:p>
-            <a:pPr marL="285750" indent="-285750">
-              <a:buFont typeface="Wingdings" panose="05000000000000000000" pitchFamily="2" charset="2"/>
-              <a:buChar char="§"/>
-            </a:pPr>
-            <a:r>
-              <a:rPr lang="de-DE" sz="1200" b="1" dirty="0">
-                <a:solidFill>
-                  <a:schemeClr val="bg1"/>
-                </a:solidFill>
-                <a:latin typeface="Calibri" panose="020F0502020204030204" pitchFamily="34" charset="0"/>
-                <a:cs typeface="Calibri" panose="020F0502020204030204" pitchFamily="34" charset="0"/>
-              </a:rPr>
-              <a:t>Extrainformation</a:t>
-            </a:r>
-          </a:p>
-          <a:p>
-            <a:endParaRPr lang="de-DE" sz="1200" b="1" dirty="0">
-              <a:solidFill>
-                <a:schemeClr val="bg1"/>
-              </a:solidFill>
-              <a:latin typeface="Calibri" panose="020F0502020204030204" pitchFamily="34" charset="0"/>
-              <a:cs typeface="Calibri" panose="020F0502020204030204" pitchFamily="34" charset="0"/>
-            </a:endParaRPr>
-          </a:p>
-          <a:p>
-            <a:pPr marL="285750" indent="-285750">
-              <a:buFont typeface="Wingdings" panose="05000000000000000000" pitchFamily="2" charset="2"/>
-              <a:buChar char="§"/>
-            </a:pPr>
-            <a:endParaRPr lang="de-DE" sz="1200" b="1" dirty="0">
-              <a:solidFill>
-                <a:schemeClr val="bg1"/>
-              </a:solidFill>
-              <a:latin typeface="Calibri" panose="020F0502020204030204" pitchFamily="34" charset="0"/>
-              <a:cs typeface="Calibri" panose="020F0502020204030204" pitchFamily="34" charset="0"/>
-            </a:endParaRPr>
-          </a:p>
-        </p:txBody>
-      </p:sp>
-      <p:sp>
-        <p:nvSpPr>
-          <p:cNvPr id="87" name="Google Shape;166;p21">
-            <a:extLst>
-              <a:ext uri="{FF2B5EF4-FFF2-40B4-BE49-F238E27FC236}">
-                <a16:creationId xmlns:a16="http://schemas.microsoft.com/office/drawing/2014/main" id="{3CB0131D-FCE8-4387-88E2-D76165EBA79A}"/>
+            <a:r>
+              <a:rPr lang="en-US" dirty="0"/>
+              <a:t>Project Structure</a:t>
+            </a:r>
+          </a:p>
+        </p:txBody>
+      </p:sp>
+      <p:sp>
+        <p:nvSpPr>
+          <p:cNvPr id="51" name="Google Shape;166;p21">
+            <a:extLst>
+              <a:ext uri="{FF2B5EF4-FFF2-40B4-BE49-F238E27FC236}">
+                <a16:creationId xmlns:a16="http://schemas.microsoft.com/office/drawing/2014/main" id="{2239FD9E-4032-44B3-9DC9-F50C7A1129B8}"/>
               </a:ext>
             </a:extLst>
           </p:cNvPr>
@@ -8238,7 +7959,1586 @@
                 <a:latin typeface="Calibri" panose="020F0502020204030204" pitchFamily="34" charset="0"/>
                 <a:cs typeface="Calibri" panose="020F0502020204030204" pitchFamily="34" charset="0"/>
               </a:rPr>
+              <a:t>2</a:t>
+            </a:fld>
+            <a:endParaRPr dirty="0">
+              <a:latin typeface="Calibri" panose="020F0502020204030204" pitchFamily="34" charset="0"/>
+              <a:cs typeface="Calibri" panose="020F0502020204030204" pitchFamily="34" charset="0"/>
+            </a:endParaRPr>
+          </a:p>
+        </p:txBody>
+      </p:sp>
+      <p:sp>
+        <p:nvSpPr>
+          <p:cNvPr id="22" name="TextBox 21">
+            <a:extLst>
+              <a:ext uri="{FF2B5EF4-FFF2-40B4-BE49-F238E27FC236}">
+                <a16:creationId xmlns:a16="http://schemas.microsoft.com/office/drawing/2014/main" id="{C1E961E4-8F8C-6746-84A8-F84678F06D66}"/>
+              </a:ext>
+            </a:extLst>
+          </p:cNvPr>
+          <p:cNvSpPr txBox="1"/>
+          <p:nvPr/>
+        </p:nvSpPr>
+        <p:spPr>
+          <a:xfrm>
+            <a:off x="622726" y="2494738"/>
+            <a:ext cx="1136824" cy="271031"/>
+          </a:xfrm>
+          <a:prstGeom prst="rect">
+            <a:avLst/>
+          </a:prstGeom>
+          <a:solidFill>
+            <a:schemeClr val="tx1"/>
+          </a:solidFill>
+          <a:ln>
+            <a:noFill/>
+          </a:ln>
+        </p:spPr>
+        <p:txBody>
+          <a:bodyPr wrap="none" rtlCol="0">
+            <a:noAutofit/>
+          </a:bodyPr>
+          <a:lstStyle/>
+          <a:p>
+            <a:pPr algn="ctr"/>
+            <a:r>
+              <a:rPr lang="en-GB" sz="1200" b="1" dirty="0" err="1">
+                <a:solidFill>
+                  <a:schemeClr val="bg1"/>
+                </a:solidFill>
+                <a:latin typeface="Calibri" panose="020F0502020204030204" pitchFamily="34" charset="0"/>
+                <a:cs typeface="Calibri" panose="020F0502020204030204" pitchFamily="34" charset="0"/>
+              </a:rPr>
+              <a:t>flyscene</a:t>
+            </a:r>
+            <a:endParaRPr lang="en-GB" sz="1200" b="1" dirty="0">
+              <a:solidFill>
+                <a:schemeClr val="bg1"/>
+              </a:solidFill>
+              <a:latin typeface="Calibri" panose="020F0502020204030204" pitchFamily="34" charset="0"/>
+              <a:cs typeface="Calibri" panose="020F0502020204030204" pitchFamily="34" charset="0"/>
+            </a:endParaRPr>
+          </a:p>
+        </p:txBody>
+      </p:sp>
+      <p:sp>
+        <p:nvSpPr>
+          <p:cNvPr id="30" name="TextBox 29">
+            <a:extLst>
+              <a:ext uri="{FF2B5EF4-FFF2-40B4-BE49-F238E27FC236}">
+                <a16:creationId xmlns:a16="http://schemas.microsoft.com/office/drawing/2014/main" id="{CFB5E27A-3C06-1C47-ACB4-4B8F06031F06}"/>
+              </a:ext>
+            </a:extLst>
+          </p:cNvPr>
+          <p:cNvSpPr txBox="1"/>
+          <p:nvPr/>
+        </p:nvSpPr>
+        <p:spPr>
+          <a:xfrm>
+            <a:off x="622726" y="2956133"/>
+            <a:ext cx="1136824" cy="271031"/>
+          </a:xfrm>
+          <a:prstGeom prst="rect">
+            <a:avLst/>
+          </a:prstGeom>
+          <a:solidFill>
+            <a:schemeClr val="tx1"/>
+          </a:solidFill>
+          <a:ln>
+            <a:noFill/>
+          </a:ln>
+        </p:spPr>
+        <p:txBody>
+          <a:bodyPr wrap="none" rtlCol="0">
+            <a:noAutofit/>
+          </a:bodyPr>
+          <a:lstStyle/>
+          <a:p>
+            <a:pPr algn="ctr"/>
+            <a:r>
+              <a:rPr lang="en-GB" sz="1200" b="1" dirty="0" err="1">
+                <a:solidFill>
+                  <a:schemeClr val="bg1"/>
+                </a:solidFill>
+                <a:latin typeface="Calibri" panose="020F0502020204030204" pitchFamily="34" charset="0"/>
+                <a:cs typeface="Calibri" panose="020F0502020204030204" pitchFamily="34" charset="0"/>
+              </a:rPr>
+              <a:t>hitable</a:t>
+            </a:r>
+            <a:endParaRPr lang="en-GB" sz="1200" b="1" dirty="0">
+              <a:solidFill>
+                <a:schemeClr val="bg1"/>
+              </a:solidFill>
+              <a:latin typeface="Calibri" panose="020F0502020204030204" pitchFamily="34" charset="0"/>
+              <a:cs typeface="Calibri" panose="020F0502020204030204" pitchFamily="34" charset="0"/>
+            </a:endParaRPr>
+          </a:p>
+        </p:txBody>
+      </p:sp>
+      <p:sp>
+        <p:nvSpPr>
+          <p:cNvPr id="31" name="TextBox 30">
+            <a:extLst>
+              <a:ext uri="{FF2B5EF4-FFF2-40B4-BE49-F238E27FC236}">
+                <a16:creationId xmlns:a16="http://schemas.microsoft.com/office/drawing/2014/main" id="{333D7EA3-6BFC-3C45-A268-BFA86706C7ED}"/>
+              </a:ext>
+            </a:extLst>
+          </p:cNvPr>
+          <p:cNvSpPr txBox="1"/>
+          <p:nvPr/>
+        </p:nvSpPr>
+        <p:spPr>
+          <a:xfrm>
+            <a:off x="622726" y="3392360"/>
+            <a:ext cx="1136824" cy="271031"/>
+          </a:xfrm>
+          <a:prstGeom prst="rect">
+            <a:avLst/>
+          </a:prstGeom>
+          <a:solidFill>
+            <a:schemeClr val="tx1"/>
+          </a:solidFill>
+          <a:ln>
+            <a:noFill/>
+          </a:ln>
+        </p:spPr>
+        <p:txBody>
+          <a:bodyPr wrap="none" rtlCol="0">
+            <a:noAutofit/>
+          </a:bodyPr>
+          <a:lstStyle/>
+          <a:p>
+            <a:pPr algn="ctr"/>
+            <a:r>
+              <a:rPr lang="en-GB" sz="1200" b="1" dirty="0">
+                <a:solidFill>
+                  <a:schemeClr val="bg1"/>
+                </a:solidFill>
+                <a:latin typeface="Calibri" panose="020F0502020204030204" pitchFamily="34" charset="0"/>
+                <a:cs typeface="Calibri" panose="020F0502020204030204" pitchFamily="34" charset="0"/>
+              </a:rPr>
+              <a:t>light</a:t>
+            </a:r>
+          </a:p>
+        </p:txBody>
+      </p:sp>
+      <p:sp>
+        <p:nvSpPr>
+          <p:cNvPr id="33" name="TextBox 32">
+            <a:extLst>
+              <a:ext uri="{FF2B5EF4-FFF2-40B4-BE49-F238E27FC236}">
+                <a16:creationId xmlns:a16="http://schemas.microsoft.com/office/drawing/2014/main" id="{479073FE-3453-3D45-8EB7-057A2B5EAEC9}"/>
+              </a:ext>
+            </a:extLst>
+          </p:cNvPr>
+          <p:cNvSpPr txBox="1"/>
+          <p:nvPr/>
+        </p:nvSpPr>
+        <p:spPr>
+          <a:xfrm>
+            <a:off x="622726" y="3828588"/>
+            <a:ext cx="1136824" cy="271031"/>
+          </a:xfrm>
+          <a:prstGeom prst="rect">
+            <a:avLst/>
+          </a:prstGeom>
+          <a:solidFill>
+            <a:schemeClr val="tx1"/>
+          </a:solidFill>
+          <a:ln>
+            <a:noFill/>
+          </a:ln>
+        </p:spPr>
+        <p:txBody>
+          <a:bodyPr wrap="none" rtlCol="0">
+            <a:noAutofit/>
+          </a:bodyPr>
+          <a:lstStyle/>
+          <a:p>
+            <a:pPr algn="ctr"/>
+            <a:r>
+              <a:rPr lang="en-GB" sz="1200" b="1" dirty="0">
+                <a:solidFill>
+                  <a:schemeClr val="bg1"/>
+                </a:solidFill>
+                <a:latin typeface="Calibri" panose="020F0502020204030204" pitchFamily="34" charset="0"/>
+                <a:cs typeface="Calibri" panose="020F0502020204030204" pitchFamily="34" charset="0"/>
+              </a:rPr>
+              <a:t>ray</a:t>
+            </a:r>
+          </a:p>
+        </p:txBody>
+      </p:sp>
+      <p:sp>
+        <p:nvSpPr>
+          <p:cNvPr id="34" name="TextBox 33">
+            <a:extLst>
+              <a:ext uri="{FF2B5EF4-FFF2-40B4-BE49-F238E27FC236}">
+                <a16:creationId xmlns:a16="http://schemas.microsoft.com/office/drawing/2014/main" id="{EBF0222B-B4A8-434C-91EE-05B8A8C6D43B}"/>
+              </a:ext>
+            </a:extLst>
+          </p:cNvPr>
+          <p:cNvSpPr txBox="1"/>
+          <p:nvPr/>
+        </p:nvSpPr>
+        <p:spPr>
+          <a:xfrm>
+            <a:off x="622726" y="4281593"/>
+            <a:ext cx="1136824" cy="271031"/>
+          </a:xfrm>
+          <a:prstGeom prst="rect">
+            <a:avLst/>
+          </a:prstGeom>
+          <a:solidFill>
+            <a:schemeClr val="tx1"/>
+          </a:solidFill>
+          <a:ln>
+            <a:noFill/>
+          </a:ln>
+        </p:spPr>
+        <p:txBody>
+          <a:bodyPr wrap="none" rtlCol="0">
+            <a:noAutofit/>
+          </a:bodyPr>
+          <a:lstStyle/>
+          <a:p>
+            <a:pPr algn="ctr"/>
+            <a:r>
+              <a:rPr lang="en-GB" sz="1200" b="1" dirty="0">
+                <a:solidFill>
+                  <a:schemeClr val="bg1"/>
+                </a:solidFill>
+                <a:latin typeface="Calibri" panose="020F0502020204030204" pitchFamily="34" charset="0"/>
+                <a:cs typeface="Calibri" panose="020F0502020204030204" pitchFamily="34" charset="0"/>
+              </a:rPr>
+              <a:t>scene</a:t>
+            </a:r>
+          </a:p>
+        </p:txBody>
+      </p:sp>
+      <p:sp>
+        <p:nvSpPr>
+          <p:cNvPr id="36" name="TextBox 35">
+            <a:extLst>
+              <a:ext uri="{FF2B5EF4-FFF2-40B4-BE49-F238E27FC236}">
+                <a16:creationId xmlns:a16="http://schemas.microsoft.com/office/drawing/2014/main" id="{3732216D-42C4-984C-A572-02AFFA34CF94}"/>
+              </a:ext>
+            </a:extLst>
+          </p:cNvPr>
+          <p:cNvSpPr txBox="1"/>
+          <p:nvPr/>
+        </p:nvSpPr>
+        <p:spPr>
+          <a:xfrm>
+            <a:off x="622726" y="5086936"/>
+            <a:ext cx="1136824" cy="271031"/>
+          </a:xfrm>
+          <a:prstGeom prst="rect">
+            <a:avLst/>
+          </a:prstGeom>
+          <a:solidFill>
+            <a:schemeClr val="tx1"/>
+          </a:solidFill>
+          <a:ln>
+            <a:noFill/>
+          </a:ln>
+        </p:spPr>
+        <p:txBody>
+          <a:bodyPr wrap="none" rtlCol="0">
+            <a:noAutofit/>
+          </a:bodyPr>
+          <a:lstStyle/>
+          <a:p>
+            <a:pPr algn="ctr"/>
+            <a:r>
+              <a:rPr lang="en-GB" sz="1200" b="1" dirty="0" err="1">
+                <a:solidFill>
+                  <a:schemeClr val="bg1"/>
+                </a:solidFill>
+                <a:latin typeface="Calibri" panose="020F0502020204030204" pitchFamily="34" charset="0"/>
+                <a:cs typeface="Calibri" panose="020F0502020204030204" pitchFamily="34" charset="0"/>
+              </a:rPr>
+              <a:t>spherelight</a:t>
+            </a:r>
+            <a:endParaRPr lang="en-GB" sz="1200" b="1" dirty="0">
+              <a:solidFill>
+                <a:schemeClr val="bg1"/>
+              </a:solidFill>
+              <a:latin typeface="Calibri" panose="020F0502020204030204" pitchFamily="34" charset="0"/>
+              <a:cs typeface="Calibri" panose="020F0502020204030204" pitchFamily="34" charset="0"/>
+            </a:endParaRPr>
+          </a:p>
+        </p:txBody>
+      </p:sp>
+      <p:sp>
+        <p:nvSpPr>
+          <p:cNvPr id="38" name="TextBox 37">
+            <a:extLst>
+              <a:ext uri="{FF2B5EF4-FFF2-40B4-BE49-F238E27FC236}">
+                <a16:creationId xmlns:a16="http://schemas.microsoft.com/office/drawing/2014/main" id="{E49BB01C-6DF4-214B-8198-CC11B58E67AF}"/>
+              </a:ext>
+            </a:extLst>
+          </p:cNvPr>
+          <p:cNvSpPr txBox="1"/>
+          <p:nvPr/>
+        </p:nvSpPr>
+        <p:spPr>
+          <a:xfrm>
+            <a:off x="622726" y="5857825"/>
+            <a:ext cx="1136824" cy="271031"/>
+          </a:xfrm>
+          <a:prstGeom prst="rect">
+            <a:avLst/>
+          </a:prstGeom>
+          <a:solidFill>
+            <a:schemeClr val="tx1"/>
+          </a:solidFill>
+          <a:ln>
+            <a:noFill/>
+          </a:ln>
+        </p:spPr>
+        <p:txBody>
+          <a:bodyPr wrap="none" rtlCol="0">
+            <a:noAutofit/>
+          </a:bodyPr>
+          <a:lstStyle/>
+          <a:p>
+            <a:pPr algn="ctr"/>
+            <a:r>
+              <a:rPr lang="en-GB" sz="1200" b="1" dirty="0" err="1">
+                <a:solidFill>
+                  <a:schemeClr val="bg1"/>
+                </a:solidFill>
+                <a:latin typeface="Calibri" panose="020F0502020204030204" pitchFamily="34" charset="0"/>
+                <a:cs typeface="Calibri" panose="020F0502020204030204" pitchFamily="34" charset="0"/>
+              </a:rPr>
+              <a:t>triangleList</a:t>
+            </a:r>
+            <a:endParaRPr lang="en-GB" sz="1200" b="1" dirty="0">
+              <a:solidFill>
+                <a:schemeClr val="bg1"/>
+              </a:solidFill>
+              <a:latin typeface="Calibri" panose="020F0502020204030204" pitchFamily="34" charset="0"/>
+              <a:cs typeface="Calibri" panose="020F0502020204030204" pitchFamily="34" charset="0"/>
+            </a:endParaRPr>
+          </a:p>
+        </p:txBody>
+      </p:sp>
+      <p:sp>
+        <p:nvSpPr>
+          <p:cNvPr id="39" name="TextBox 38">
+            <a:extLst>
+              <a:ext uri="{FF2B5EF4-FFF2-40B4-BE49-F238E27FC236}">
+                <a16:creationId xmlns:a16="http://schemas.microsoft.com/office/drawing/2014/main" id="{899FF17A-D95E-FA46-97FD-8B4A3F426150}"/>
+              </a:ext>
+            </a:extLst>
+          </p:cNvPr>
+          <p:cNvSpPr txBox="1"/>
+          <p:nvPr/>
+        </p:nvSpPr>
+        <p:spPr>
+          <a:xfrm>
+            <a:off x="622726" y="6228886"/>
+            <a:ext cx="1136824" cy="271031"/>
+          </a:xfrm>
+          <a:prstGeom prst="rect">
+            <a:avLst/>
+          </a:prstGeom>
+          <a:solidFill>
+            <a:schemeClr val="tx1"/>
+          </a:solidFill>
+          <a:ln>
+            <a:noFill/>
+          </a:ln>
+        </p:spPr>
+        <p:txBody>
+          <a:bodyPr wrap="none" rtlCol="0">
+            <a:noAutofit/>
+          </a:bodyPr>
+          <a:lstStyle/>
+          <a:p>
+            <a:pPr algn="ctr"/>
+            <a:r>
+              <a:rPr lang="en-GB" sz="1200" b="1" dirty="0">
+                <a:solidFill>
+                  <a:schemeClr val="bg1"/>
+                </a:solidFill>
+                <a:latin typeface="Calibri" panose="020F0502020204030204" pitchFamily="34" charset="0"/>
+                <a:cs typeface="Calibri" panose="020F0502020204030204" pitchFamily="34" charset="0"/>
+              </a:rPr>
+              <a:t>multithreading</a:t>
+            </a:r>
+          </a:p>
+        </p:txBody>
+      </p:sp>
+      <p:grpSp>
+        <p:nvGrpSpPr>
+          <p:cNvPr id="7" name="Group 6">
+            <a:extLst>
+              <a:ext uri="{FF2B5EF4-FFF2-40B4-BE49-F238E27FC236}">
+                <a16:creationId xmlns:a16="http://schemas.microsoft.com/office/drawing/2014/main" id="{6D9D72EF-F487-924E-890A-C54FC19DD559}"/>
+              </a:ext>
+            </a:extLst>
+          </p:cNvPr>
+          <p:cNvGrpSpPr/>
+          <p:nvPr/>
+        </p:nvGrpSpPr>
+        <p:grpSpPr>
+          <a:xfrm>
+            <a:off x="2430645" y="1541357"/>
+            <a:ext cx="7330710" cy="5030453"/>
+            <a:chOff x="856342" y="1541357"/>
+            <a:chExt cx="7330710" cy="5030453"/>
+          </a:xfrm>
+        </p:grpSpPr>
+        <p:sp>
+          <p:nvSpPr>
+            <p:cNvPr id="41" name="Rectangle 40">
+              <a:extLst>
+                <a:ext uri="{FF2B5EF4-FFF2-40B4-BE49-F238E27FC236}">
+                  <a16:creationId xmlns:a16="http://schemas.microsoft.com/office/drawing/2014/main" id="{F26FE43F-368C-184D-831D-FB8CD8A48689}"/>
+                </a:ext>
+              </a:extLst>
+            </p:cNvPr>
+            <p:cNvSpPr/>
+            <p:nvPr/>
+          </p:nvSpPr>
+          <p:spPr>
+            <a:xfrm>
+              <a:off x="856342" y="1541357"/>
+              <a:ext cx="2076538" cy="5016639"/>
+            </a:xfrm>
+            <a:prstGeom prst="rect">
+              <a:avLst/>
+            </a:prstGeom>
+            <a:solidFill>
+              <a:schemeClr val="bg2"/>
+            </a:solidFill>
+            <a:ln>
+              <a:noFill/>
+            </a:ln>
+          </p:spPr>
+          <p:style>
+            <a:lnRef idx="2">
+              <a:schemeClr val="accent1">
+                <a:shade val="50000"/>
+              </a:schemeClr>
+            </a:lnRef>
+            <a:fillRef idx="1">
+              <a:schemeClr val="accent1"/>
+            </a:fillRef>
+            <a:effectRef idx="0">
+              <a:schemeClr val="accent1"/>
+            </a:effectRef>
+            <a:fontRef idx="minor">
+              <a:schemeClr val="lt1"/>
+            </a:fontRef>
+          </p:style>
+          <p:txBody>
+            <a:bodyPr rtlCol="0" anchor="ctr"/>
+            <a:lstStyle/>
+            <a:p>
+              <a:pPr algn="ctr"/>
+              <a:endParaRPr lang="en-GB" sz="1200">
+                <a:latin typeface="Calibri" panose="020F0502020204030204" pitchFamily="34" charset="0"/>
+                <a:cs typeface="Calibri" panose="020F0502020204030204" pitchFamily="34" charset="0"/>
+              </a:endParaRPr>
+            </a:p>
+          </p:txBody>
+        </p:sp>
+        <p:sp>
+          <p:nvSpPr>
+            <p:cNvPr id="42" name="Rectangle 41">
+              <a:extLst>
+                <a:ext uri="{FF2B5EF4-FFF2-40B4-BE49-F238E27FC236}">
+                  <a16:creationId xmlns:a16="http://schemas.microsoft.com/office/drawing/2014/main" id="{C9689271-4ADF-234F-ACC1-C68320913075}"/>
+                </a:ext>
+              </a:extLst>
+            </p:cNvPr>
+            <p:cNvSpPr/>
+            <p:nvPr/>
+          </p:nvSpPr>
+          <p:spPr>
+            <a:xfrm>
+              <a:off x="3483428" y="1541357"/>
+              <a:ext cx="2076538" cy="5016639"/>
+            </a:xfrm>
+            <a:prstGeom prst="rect">
+              <a:avLst/>
+            </a:prstGeom>
+            <a:solidFill>
+              <a:schemeClr val="bg2"/>
+            </a:solidFill>
+            <a:ln>
+              <a:noFill/>
+            </a:ln>
+          </p:spPr>
+          <p:style>
+            <a:lnRef idx="2">
+              <a:schemeClr val="accent1">
+                <a:shade val="50000"/>
+              </a:schemeClr>
+            </a:lnRef>
+            <a:fillRef idx="1">
+              <a:schemeClr val="accent1"/>
+            </a:fillRef>
+            <a:effectRef idx="0">
+              <a:schemeClr val="accent1"/>
+            </a:effectRef>
+            <a:fontRef idx="minor">
+              <a:schemeClr val="lt1"/>
+            </a:fontRef>
+          </p:style>
+          <p:txBody>
+            <a:bodyPr rtlCol="0" anchor="ctr"/>
+            <a:lstStyle/>
+            <a:p>
+              <a:pPr algn="ctr"/>
+              <a:endParaRPr lang="en-GB" sz="1200">
+                <a:latin typeface="Calibri" panose="020F0502020204030204" pitchFamily="34" charset="0"/>
+                <a:cs typeface="Calibri" panose="020F0502020204030204" pitchFamily="34" charset="0"/>
+              </a:endParaRPr>
+            </a:p>
+          </p:txBody>
+        </p:sp>
+        <p:sp>
+          <p:nvSpPr>
+            <p:cNvPr id="43" name="Rectangle 42">
+              <a:extLst>
+                <a:ext uri="{FF2B5EF4-FFF2-40B4-BE49-F238E27FC236}">
+                  <a16:creationId xmlns:a16="http://schemas.microsoft.com/office/drawing/2014/main" id="{83022045-F4A1-A24B-BD0F-6B2938335165}"/>
+                </a:ext>
+              </a:extLst>
+            </p:cNvPr>
+            <p:cNvSpPr/>
+            <p:nvPr/>
+          </p:nvSpPr>
+          <p:spPr>
+            <a:xfrm>
+              <a:off x="6110514" y="1555171"/>
+              <a:ext cx="2076538" cy="5016639"/>
+            </a:xfrm>
+            <a:prstGeom prst="rect">
+              <a:avLst/>
+            </a:prstGeom>
+            <a:solidFill>
+              <a:schemeClr val="bg2"/>
+            </a:solidFill>
+            <a:ln>
+              <a:noFill/>
+            </a:ln>
+          </p:spPr>
+          <p:style>
+            <a:lnRef idx="2">
+              <a:schemeClr val="accent1">
+                <a:shade val="50000"/>
+              </a:schemeClr>
+            </a:lnRef>
+            <a:fillRef idx="1">
+              <a:schemeClr val="accent1"/>
+            </a:fillRef>
+            <a:effectRef idx="0">
+              <a:schemeClr val="accent1"/>
+            </a:effectRef>
+            <a:fontRef idx="minor">
+              <a:schemeClr val="lt1"/>
+            </a:fontRef>
+          </p:style>
+          <p:txBody>
+            <a:bodyPr rtlCol="0" anchor="ctr"/>
+            <a:lstStyle/>
+            <a:p>
+              <a:pPr algn="ctr"/>
+              <a:endParaRPr lang="en-GB" sz="1200">
+                <a:latin typeface="Calibri" panose="020F0502020204030204" pitchFamily="34" charset="0"/>
+                <a:cs typeface="Calibri" panose="020F0502020204030204" pitchFamily="34" charset="0"/>
+              </a:endParaRPr>
+            </a:p>
+          </p:txBody>
+        </p:sp>
+      </p:grpSp>
+      <p:sp>
+        <p:nvSpPr>
+          <p:cNvPr id="26" name="TextBox 25">
+            <a:extLst>
+              <a:ext uri="{FF2B5EF4-FFF2-40B4-BE49-F238E27FC236}">
+                <a16:creationId xmlns:a16="http://schemas.microsoft.com/office/drawing/2014/main" id="{105F1917-899E-814C-91F8-4834EB1F56C0}"/>
+              </a:ext>
+            </a:extLst>
+          </p:cNvPr>
+          <p:cNvSpPr txBox="1"/>
+          <p:nvPr/>
+        </p:nvSpPr>
+        <p:spPr>
+          <a:xfrm>
+            <a:off x="1880097" y="1894279"/>
+            <a:ext cx="1136824" cy="271031"/>
+          </a:xfrm>
+          <a:prstGeom prst="rect">
+            <a:avLst/>
+          </a:prstGeom>
+          <a:solidFill>
+            <a:schemeClr val="tx1"/>
+          </a:solidFill>
+          <a:ln>
+            <a:noFill/>
+          </a:ln>
+        </p:spPr>
+        <p:txBody>
+          <a:bodyPr wrap="none" rtlCol="0">
+            <a:noAutofit/>
+          </a:bodyPr>
+          <a:lstStyle/>
+          <a:p>
+            <a:pPr algn="ctr"/>
+            <a:r>
+              <a:rPr lang="en-GB" sz="1200" b="1" dirty="0">
+                <a:solidFill>
+                  <a:schemeClr val="bg1"/>
+                </a:solidFill>
+                <a:latin typeface="Calibri" panose="020F0502020204030204" pitchFamily="34" charset="0"/>
+                <a:cs typeface="Calibri" panose="020F0502020204030204" pitchFamily="34" charset="0"/>
+              </a:rPr>
+              <a:t>triangle</a:t>
+            </a:r>
+          </a:p>
+        </p:txBody>
+      </p:sp>
+      <p:sp>
+        <p:nvSpPr>
+          <p:cNvPr id="20" name="TextBox 19">
+            <a:extLst>
+              <a:ext uri="{FF2B5EF4-FFF2-40B4-BE49-F238E27FC236}">
+                <a16:creationId xmlns:a16="http://schemas.microsoft.com/office/drawing/2014/main" id="{66DF0018-9C86-2045-B4DA-14ACE3A1A787}"/>
+              </a:ext>
+            </a:extLst>
+          </p:cNvPr>
+          <p:cNvSpPr txBox="1"/>
+          <p:nvPr/>
+        </p:nvSpPr>
+        <p:spPr>
+          <a:xfrm>
+            <a:off x="1880097" y="2380841"/>
+            <a:ext cx="1136824" cy="271031"/>
+          </a:xfrm>
+          <a:prstGeom prst="rect">
+            <a:avLst/>
+          </a:prstGeom>
+          <a:solidFill>
+            <a:schemeClr val="tx1"/>
+          </a:solidFill>
+          <a:ln>
+            <a:noFill/>
+          </a:ln>
+        </p:spPr>
+        <p:txBody>
+          <a:bodyPr wrap="none" rtlCol="0">
+            <a:noAutofit/>
+          </a:bodyPr>
+          <a:lstStyle/>
+          <a:p>
+            <a:pPr algn="ctr"/>
+            <a:r>
+              <a:rPr lang="en-GB" sz="1200" b="1" dirty="0">
+                <a:solidFill>
+                  <a:schemeClr val="bg1"/>
+                </a:solidFill>
+                <a:latin typeface="Calibri" panose="020F0502020204030204" pitchFamily="34" charset="0"/>
+                <a:cs typeface="Calibri" panose="020F0502020204030204" pitchFamily="34" charset="0"/>
+              </a:rPr>
+              <a:t>box</a:t>
+            </a:r>
+          </a:p>
+        </p:txBody>
+      </p:sp>
+      <p:sp>
+        <p:nvSpPr>
+          <p:cNvPr id="35" name="TextBox 34">
+            <a:extLst>
+              <a:ext uri="{FF2B5EF4-FFF2-40B4-BE49-F238E27FC236}">
+                <a16:creationId xmlns:a16="http://schemas.microsoft.com/office/drawing/2014/main" id="{9BEC033F-0D26-3644-B9E0-44A22EC047AD}"/>
+              </a:ext>
+            </a:extLst>
+          </p:cNvPr>
+          <p:cNvSpPr txBox="1"/>
+          <p:nvPr/>
+        </p:nvSpPr>
+        <p:spPr>
+          <a:xfrm>
+            <a:off x="1880097" y="2850625"/>
+            <a:ext cx="1136824" cy="271031"/>
+          </a:xfrm>
+          <a:prstGeom prst="rect">
+            <a:avLst/>
+          </a:prstGeom>
+          <a:solidFill>
+            <a:schemeClr val="tx1"/>
+          </a:solidFill>
+          <a:ln>
+            <a:noFill/>
+          </a:ln>
+        </p:spPr>
+        <p:txBody>
+          <a:bodyPr wrap="none" rtlCol="0">
+            <a:noAutofit/>
+          </a:bodyPr>
+          <a:lstStyle/>
+          <a:p>
+            <a:pPr algn="ctr"/>
+            <a:r>
+              <a:rPr lang="en-GB" sz="1200" b="1" dirty="0">
+                <a:solidFill>
+                  <a:schemeClr val="bg1"/>
+                </a:solidFill>
+                <a:latin typeface="Calibri" panose="020F0502020204030204" pitchFamily="34" charset="0"/>
+                <a:cs typeface="Calibri" panose="020F0502020204030204" pitchFamily="34" charset="0"/>
+              </a:rPr>
+              <a:t>sphere</a:t>
+            </a:r>
+          </a:p>
+        </p:txBody>
+      </p:sp>
+    </p:spTree>
+    <p:extLst>
+      <p:ext uri="{BB962C8B-B14F-4D97-AF65-F5344CB8AC3E}">
+        <p14:creationId xmlns:p14="http://schemas.microsoft.com/office/powerpoint/2010/main" val="1513365158"/>
+      </p:ext>
+    </p:extLst>
+  </p:cSld>
+  <p:clrMapOvr>
+    <a:masterClrMapping/>
+  </p:clrMapOvr>
+</p:sld>
+</file>
+
+<file path=ppt/slides/slide3.xml><?xml version="1.0" encoding="utf-8"?>
+<p:sld xmlns:a="http://schemas.openxmlformats.org/drawingml/2006/main" xmlns:r="http://schemas.openxmlformats.org/officeDocument/2006/relationships" xmlns:p="http://schemas.openxmlformats.org/presentationml/2006/main">
+  <p:cSld>
+    <p:spTree>
+      <p:nvGrpSpPr>
+        <p:cNvPr id="1" name="Shape 92"/>
+        <p:cNvGrpSpPr/>
+        <p:nvPr/>
+      </p:nvGrpSpPr>
+      <p:grpSpPr>
+        <a:xfrm>
+          <a:off x="0" y="0"/>
+          <a:ext cx="0" cy="0"/>
+          <a:chOff x="0" y="0"/>
+          <a:chExt cx="0" cy="0"/>
+        </a:xfrm>
+      </p:grpSpPr>
+      <p:sp>
+        <p:nvSpPr>
+          <p:cNvPr id="93" name="Google Shape;93;p14"/>
+          <p:cNvSpPr txBox="1">
+            <a:spLocks noGrp="1"/>
+          </p:cNvSpPr>
+          <p:nvPr>
+            <p:ph type="title"/>
+          </p:nvPr>
+        </p:nvSpPr>
+        <p:spPr>
+          <a:xfrm>
+            <a:off x="838200" y="365125"/>
+            <a:ext cx="10515600" cy="1325563"/>
+          </a:xfrm>
+          <a:prstGeom prst="rect">
+            <a:avLst/>
+          </a:prstGeom>
+          <a:noFill/>
+          <a:ln>
+            <a:noFill/>
+          </a:ln>
+        </p:spPr>
+        <p:txBody>
+          <a:bodyPr spcFirstLastPara="1" wrap="square" lIns="91425" tIns="45700" rIns="91425" bIns="45700" anchor="ctr" anchorCtr="0">
+            <a:noAutofit/>
+          </a:bodyPr>
+          <a:lstStyle/>
+          <a:p>
+            <a:pPr marL="0" lvl="0" indent="0" algn="l" rtl="0">
+              <a:lnSpc>
+                <a:spcPct val="90000"/>
+              </a:lnSpc>
+              <a:spcBef>
+                <a:spcPts val="0"/>
+              </a:spcBef>
+              <a:spcAft>
+                <a:spcPts val="0"/>
+              </a:spcAft>
+              <a:buClr>
+                <a:schemeClr val="dk1"/>
+              </a:buClr>
+              <a:buSzPts val="4400"/>
+              <a:buFont typeface="Calibri"/>
+              <a:buNone/>
+            </a:pPr>
+            <a:r>
+              <a:rPr lang="de-DE" dirty="0"/>
+              <a:t>Agenda</a:t>
+            </a:r>
+            <a:endParaRPr dirty="0"/>
+          </a:p>
+        </p:txBody>
+      </p:sp>
+      <p:sp>
+        <p:nvSpPr>
+          <p:cNvPr id="95" name="Google Shape;95;p14"/>
+          <p:cNvSpPr txBox="1"/>
+          <p:nvPr/>
+        </p:nvSpPr>
+        <p:spPr>
+          <a:xfrm>
+            <a:off x="889000" y="2674961"/>
+            <a:ext cx="8269973" cy="523220"/>
+          </a:xfrm>
+          <a:prstGeom prst="rect">
+            <a:avLst/>
+          </a:prstGeom>
+          <a:noFill/>
+          <a:ln>
+            <a:noFill/>
+          </a:ln>
+        </p:spPr>
+        <p:txBody>
+          <a:bodyPr spcFirstLastPara="1" wrap="square" lIns="91425" tIns="45700" rIns="91425" bIns="45700" anchor="t" anchorCtr="0">
+            <a:noAutofit/>
+          </a:bodyPr>
+          <a:lstStyle/>
+          <a:p>
+            <a:pPr marL="0" marR="0" lvl="0" indent="0" algn="l" rtl="0">
+              <a:lnSpc>
+                <a:spcPct val="100000"/>
+              </a:lnSpc>
+              <a:spcBef>
+                <a:spcPts val="0"/>
+              </a:spcBef>
+              <a:spcAft>
+                <a:spcPts val="0"/>
+              </a:spcAft>
+              <a:buClr>
+                <a:srgbClr val="000000"/>
+              </a:buClr>
+              <a:buSzPts val="2800"/>
+              <a:buFont typeface="Arial"/>
+              <a:buNone/>
+            </a:pPr>
+            <a:r>
+              <a:rPr lang="en-GB" sz="2800" dirty="0">
+                <a:solidFill>
+                  <a:schemeClr val="dk1"/>
+                </a:solidFill>
+                <a:latin typeface="Calibri"/>
+                <a:ea typeface="Calibri"/>
+                <a:cs typeface="Calibri"/>
+                <a:sym typeface="Calibri"/>
+              </a:rPr>
+              <a:t>Acceleration structure statistics</a:t>
+            </a:r>
+            <a:endParaRPr lang="en-GB" sz="2800" b="0" i="0" u="none" strike="noStrike" cap="none" dirty="0">
+              <a:solidFill>
+                <a:schemeClr val="dk1"/>
+              </a:solidFill>
+              <a:latin typeface="Calibri"/>
+              <a:ea typeface="Calibri"/>
+              <a:cs typeface="Calibri"/>
+              <a:sym typeface="Calibri"/>
+            </a:endParaRPr>
+          </a:p>
+        </p:txBody>
+      </p:sp>
+      <p:sp>
+        <p:nvSpPr>
+          <p:cNvPr id="96" name="Google Shape;96;p14"/>
+          <p:cNvSpPr txBox="1"/>
+          <p:nvPr/>
+        </p:nvSpPr>
+        <p:spPr>
+          <a:xfrm>
+            <a:off x="889000" y="3376007"/>
+            <a:ext cx="8269973" cy="523220"/>
+          </a:xfrm>
+          <a:prstGeom prst="rect">
+            <a:avLst/>
+          </a:prstGeom>
+          <a:noFill/>
+          <a:ln>
+            <a:noFill/>
+          </a:ln>
+        </p:spPr>
+        <p:txBody>
+          <a:bodyPr spcFirstLastPara="1" wrap="square" lIns="91425" tIns="45700" rIns="91425" bIns="45700" anchor="t" anchorCtr="0">
+            <a:noAutofit/>
+          </a:bodyPr>
+          <a:lstStyle/>
+          <a:p>
+            <a:pPr marL="0" marR="0" lvl="0" indent="0" algn="l" rtl="0">
+              <a:lnSpc>
+                <a:spcPct val="100000"/>
+              </a:lnSpc>
+              <a:spcBef>
+                <a:spcPts val="0"/>
+              </a:spcBef>
+              <a:spcAft>
+                <a:spcPts val="0"/>
+              </a:spcAft>
+              <a:buClr>
+                <a:srgbClr val="000000"/>
+              </a:buClr>
+              <a:buSzPts val="2800"/>
+              <a:buFont typeface="Arial"/>
+              <a:buNone/>
+            </a:pPr>
+            <a:r>
+              <a:rPr lang="en-GB" sz="2800" b="0" i="0" u="none" strike="noStrike" cap="none" dirty="0">
+                <a:solidFill>
+                  <a:schemeClr val="dk1"/>
+                </a:solidFill>
+                <a:latin typeface="Calibri"/>
+                <a:ea typeface="Calibri"/>
+                <a:cs typeface="Calibri"/>
+                <a:sym typeface="Calibri"/>
+              </a:rPr>
+              <a:t>Example 1: Minimum Requirements</a:t>
+            </a:r>
+          </a:p>
+        </p:txBody>
+      </p:sp>
+      <p:sp>
+        <p:nvSpPr>
+          <p:cNvPr id="97" name="Google Shape;97;p14"/>
+          <p:cNvSpPr txBox="1"/>
+          <p:nvPr/>
+        </p:nvSpPr>
+        <p:spPr>
+          <a:xfrm>
+            <a:off x="889000" y="4077053"/>
+            <a:ext cx="8269973" cy="523220"/>
+          </a:xfrm>
+          <a:prstGeom prst="rect">
+            <a:avLst/>
+          </a:prstGeom>
+          <a:noFill/>
+          <a:ln>
+            <a:noFill/>
+          </a:ln>
+        </p:spPr>
+        <p:txBody>
+          <a:bodyPr spcFirstLastPara="1" wrap="square" lIns="91425" tIns="45700" rIns="91425" bIns="45700" anchor="t" anchorCtr="0">
+            <a:noAutofit/>
+          </a:bodyPr>
+          <a:lstStyle/>
+          <a:p>
+            <a:pPr lvl="0">
+              <a:buClr>
+                <a:schemeClr val="dk1"/>
+              </a:buClr>
+              <a:buSzPts val="2800"/>
+            </a:pPr>
+            <a:r>
+              <a:rPr lang="en-US" sz="2800" dirty="0">
+                <a:ea typeface="Calibri"/>
+                <a:cs typeface="Calibri"/>
+                <a:sym typeface="Calibri"/>
+              </a:rPr>
+              <a:t>Example 2: Acceleration Structure</a:t>
+            </a:r>
+          </a:p>
+        </p:txBody>
+      </p:sp>
+      <p:sp>
+        <p:nvSpPr>
+          <p:cNvPr id="99" name="Google Shape;99;p14"/>
+          <p:cNvSpPr txBox="1">
+            <a:spLocks noGrp="1"/>
+          </p:cNvSpPr>
+          <p:nvPr>
+            <p:ph type="sldNum" idx="12"/>
+          </p:nvPr>
+        </p:nvSpPr>
+        <p:spPr>
+          <a:xfrm>
+            <a:off x="8610600" y="6356350"/>
+            <a:ext cx="2743200" cy="365100"/>
+          </a:xfrm>
+          <a:prstGeom prst="rect">
+            <a:avLst/>
+          </a:prstGeom>
+        </p:spPr>
+        <p:txBody>
+          <a:bodyPr spcFirstLastPara="1" wrap="square" lIns="91425" tIns="45700" rIns="91425" bIns="45700" anchor="ctr" anchorCtr="0">
+            <a:noAutofit/>
+          </a:bodyPr>
+          <a:lstStyle/>
+          <a:p>
+            <a:pPr marL="0" lvl="0" indent="0" algn="r" rtl="0">
+              <a:spcBef>
+                <a:spcPts val="0"/>
+              </a:spcBef>
+              <a:spcAft>
+                <a:spcPts val="0"/>
+              </a:spcAft>
+              <a:buClr>
+                <a:srgbClr val="000000"/>
+              </a:buClr>
+              <a:buSzPts val="1200"/>
+              <a:buFont typeface="Arial"/>
+              <a:buNone/>
+            </a:pPr>
+            <a:fld id="{00000000-1234-1234-1234-123412341234}" type="slidenum">
+              <a:rPr lang="de-DE"/>
               <a:t>3</a:t>
+            </a:fld>
+            <a:endParaRPr/>
+          </a:p>
+        </p:txBody>
+      </p:sp>
+      <p:sp>
+        <p:nvSpPr>
+          <p:cNvPr id="11" name="Google Shape;95;p14">
+            <a:extLst>
+              <a:ext uri="{FF2B5EF4-FFF2-40B4-BE49-F238E27FC236}">
+                <a16:creationId xmlns:a16="http://schemas.microsoft.com/office/drawing/2014/main" id="{CA617A29-8358-48CB-811E-F941EDD23404}"/>
+              </a:ext>
+            </a:extLst>
+          </p:cNvPr>
+          <p:cNvSpPr txBox="1"/>
+          <p:nvPr/>
+        </p:nvSpPr>
+        <p:spPr>
+          <a:xfrm>
+            <a:off x="889000" y="1973915"/>
+            <a:ext cx="8269973" cy="523220"/>
+          </a:xfrm>
+          <a:prstGeom prst="rect">
+            <a:avLst/>
+          </a:prstGeom>
+          <a:solidFill>
+            <a:schemeClr val="tx1"/>
+          </a:solidFill>
+          <a:ln>
+            <a:noFill/>
+          </a:ln>
+        </p:spPr>
+        <p:txBody>
+          <a:bodyPr spcFirstLastPara="1" wrap="square" lIns="91425" tIns="45700" rIns="91425" bIns="45700" anchor="t" anchorCtr="0">
+            <a:noAutofit/>
+          </a:bodyPr>
+          <a:lstStyle/>
+          <a:p>
+            <a:pPr marL="0" marR="0" lvl="0" indent="0" algn="l" rtl="0">
+              <a:lnSpc>
+                <a:spcPct val="100000"/>
+              </a:lnSpc>
+              <a:spcBef>
+                <a:spcPts val="0"/>
+              </a:spcBef>
+              <a:spcAft>
+                <a:spcPts val="0"/>
+              </a:spcAft>
+              <a:buClr>
+                <a:srgbClr val="000000"/>
+              </a:buClr>
+              <a:buSzPts val="2800"/>
+              <a:buFont typeface="Arial"/>
+              <a:buNone/>
+            </a:pPr>
+            <a:r>
+              <a:rPr lang="en-GB" sz="2800" b="1" dirty="0">
+                <a:solidFill>
+                  <a:schemeClr val="bg1"/>
+                </a:solidFill>
+                <a:latin typeface="Calibri"/>
+                <a:ea typeface="Calibri"/>
+                <a:cs typeface="Calibri"/>
+                <a:sym typeface="Calibri"/>
+              </a:rPr>
+              <a:t>Features Implemented</a:t>
+            </a:r>
+            <a:endParaRPr lang="en-GB" sz="2800" b="1" i="0" u="none" strike="noStrike" cap="none" dirty="0">
+              <a:solidFill>
+                <a:schemeClr val="bg1"/>
+              </a:solidFill>
+              <a:latin typeface="Calibri"/>
+              <a:ea typeface="Calibri"/>
+              <a:cs typeface="Calibri"/>
+              <a:sym typeface="Calibri"/>
+            </a:endParaRPr>
+          </a:p>
+        </p:txBody>
+      </p:sp>
+      <p:sp>
+        <p:nvSpPr>
+          <p:cNvPr id="9" name="Google Shape;97;p14">
+            <a:extLst>
+              <a:ext uri="{FF2B5EF4-FFF2-40B4-BE49-F238E27FC236}">
+                <a16:creationId xmlns:a16="http://schemas.microsoft.com/office/drawing/2014/main" id="{4EEC1AB5-9D19-4B41-A2E0-54176F5B2C17}"/>
+              </a:ext>
+            </a:extLst>
+          </p:cNvPr>
+          <p:cNvSpPr txBox="1"/>
+          <p:nvPr/>
+        </p:nvSpPr>
+        <p:spPr>
+          <a:xfrm>
+            <a:off x="888999" y="4778099"/>
+            <a:ext cx="8269973" cy="523220"/>
+          </a:xfrm>
+          <a:prstGeom prst="rect">
+            <a:avLst/>
+          </a:prstGeom>
+          <a:noFill/>
+          <a:ln>
+            <a:noFill/>
+          </a:ln>
+        </p:spPr>
+        <p:txBody>
+          <a:bodyPr spcFirstLastPara="1" wrap="square" lIns="91425" tIns="45700" rIns="91425" bIns="45700" anchor="t" anchorCtr="0">
+            <a:noAutofit/>
+          </a:bodyPr>
+          <a:lstStyle/>
+          <a:p>
+            <a:pPr lvl="0">
+              <a:buClr>
+                <a:schemeClr val="dk1"/>
+              </a:buClr>
+              <a:buSzPts val="2800"/>
+            </a:pPr>
+            <a:r>
+              <a:rPr lang="en-GB" sz="2800" dirty="0">
+                <a:solidFill>
+                  <a:schemeClr val="dk1"/>
+                </a:solidFill>
+                <a:ea typeface="Calibri"/>
+                <a:cs typeface="Calibri"/>
+                <a:sym typeface="Calibri"/>
+              </a:rPr>
+              <a:t>Example 3: An illustration of corner cases</a:t>
+            </a:r>
+          </a:p>
+        </p:txBody>
+      </p:sp>
+      <p:sp>
+        <p:nvSpPr>
+          <p:cNvPr id="10" name="Google Shape;97;p14">
+            <a:extLst>
+              <a:ext uri="{FF2B5EF4-FFF2-40B4-BE49-F238E27FC236}">
+                <a16:creationId xmlns:a16="http://schemas.microsoft.com/office/drawing/2014/main" id="{93FC8167-F807-EB46-BB2F-8827DBC60A2A}"/>
+              </a:ext>
+            </a:extLst>
+          </p:cNvPr>
+          <p:cNvSpPr txBox="1"/>
+          <p:nvPr/>
+        </p:nvSpPr>
+        <p:spPr>
+          <a:xfrm>
+            <a:off x="888999" y="5479145"/>
+            <a:ext cx="8269973" cy="523220"/>
+          </a:xfrm>
+          <a:prstGeom prst="rect">
+            <a:avLst/>
+          </a:prstGeom>
+          <a:noFill/>
+          <a:ln>
+            <a:noFill/>
+          </a:ln>
+        </p:spPr>
+        <p:txBody>
+          <a:bodyPr spcFirstLastPara="1" wrap="square" lIns="91425" tIns="45700" rIns="91425" bIns="45700" anchor="t" anchorCtr="0">
+            <a:noAutofit/>
+          </a:bodyPr>
+          <a:lstStyle/>
+          <a:p>
+            <a:pPr marL="0" lvl="0" indent="0" algn="l" rtl="0">
+              <a:spcBef>
+                <a:spcPts val="0"/>
+              </a:spcBef>
+              <a:spcAft>
+                <a:spcPts val="0"/>
+              </a:spcAft>
+              <a:buClr>
+                <a:schemeClr val="dk1"/>
+              </a:buClr>
+              <a:buSzPts val="2800"/>
+              <a:buFont typeface="Arial"/>
+              <a:buNone/>
+            </a:pPr>
+            <a:r>
+              <a:rPr lang="en-GB" sz="2800" dirty="0">
+                <a:latin typeface="Calibri"/>
+                <a:ea typeface="Calibri"/>
+                <a:cs typeface="Calibri"/>
+                <a:sym typeface="Calibri"/>
+              </a:rPr>
+              <a:t>Final Image</a:t>
+            </a:r>
+          </a:p>
+        </p:txBody>
+      </p:sp>
+    </p:spTree>
+    <p:extLst>
+      <p:ext uri="{BB962C8B-B14F-4D97-AF65-F5344CB8AC3E}">
+        <p14:creationId xmlns:p14="http://schemas.microsoft.com/office/powerpoint/2010/main" val="2266405971"/>
+      </p:ext>
+    </p:extLst>
+  </p:cSld>
+  <p:clrMapOvr>
+    <a:masterClrMapping/>
+  </p:clrMapOvr>
+</p:sld>
+</file>
+
+<file path=ppt/slides/slide4.xml><?xml version="1.0" encoding="utf-8"?>
+<p:sld xmlns:a="http://schemas.openxmlformats.org/drawingml/2006/main" xmlns:r="http://schemas.openxmlformats.org/officeDocument/2006/relationships" xmlns:p="http://schemas.openxmlformats.org/presentationml/2006/main">
+  <p:cSld>
+    <p:spTree>
+      <p:nvGrpSpPr>
+        <p:cNvPr id="1" name=""/>
+        <p:cNvGrpSpPr/>
+        <p:nvPr/>
+      </p:nvGrpSpPr>
+      <p:grpSpPr>
+        <a:xfrm>
+          <a:off x="0" y="0"/>
+          <a:ext cx="0" cy="0"/>
+          <a:chOff x="0" y="0"/>
+          <a:chExt cx="0" cy="0"/>
+        </a:xfrm>
+      </p:grpSpPr>
+      <p:sp>
+        <p:nvSpPr>
+          <p:cNvPr id="2" name="Title 1">
+            <a:extLst>
+              <a:ext uri="{FF2B5EF4-FFF2-40B4-BE49-F238E27FC236}">
+                <a16:creationId xmlns:a16="http://schemas.microsoft.com/office/drawing/2014/main" id="{FCEEAEEE-A57A-421E-918F-69482A1C79FF}"/>
+              </a:ext>
+            </a:extLst>
+          </p:cNvPr>
+          <p:cNvSpPr>
+            <a:spLocks noGrp="1"/>
+          </p:cNvSpPr>
+          <p:nvPr>
+            <p:ph type="title"/>
+          </p:nvPr>
+        </p:nvSpPr>
+        <p:spPr/>
+        <p:txBody>
+          <a:bodyPr/>
+          <a:lstStyle/>
+          <a:p>
+            <a:r>
+              <a:rPr lang="de-DE" dirty="0"/>
+              <a:t>Feature Implementation</a:t>
+            </a:r>
+            <a:endParaRPr lang="en-GB" dirty="0"/>
+          </a:p>
+        </p:txBody>
+      </p:sp>
+      <p:sp>
+        <p:nvSpPr>
+          <p:cNvPr id="49" name="TextBox 48">
+            <a:extLst>
+              <a:ext uri="{FF2B5EF4-FFF2-40B4-BE49-F238E27FC236}">
+                <a16:creationId xmlns:a16="http://schemas.microsoft.com/office/drawing/2014/main" id="{67203BF1-3A6B-479F-9C08-F307953B92AE}"/>
+              </a:ext>
+            </a:extLst>
+          </p:cNvPr>
+          <p:cNvSpPr txBox="1"/>
+          <p:nvPr/>
+        </p:nvSpPr>
+        <p:spPr>
+          <a:xfrm>
+            <a:off x="3496094" y="1955349"/>
+            <a:ext cx="4271349" cy="369332"/>
+          </a:xfrm>
+          <a:prstGeom prst="rect">
+            <a:avLst/>
+          </a:prstGeom>
+          <a:noFill/>
+        </p:spPr>
+        <p:txBody>
+          <a:bodyPr wrap="square" rtlCol="0">
+            <a:spAutoFit/>
+          </a:bodyPr>
+          <a:lstStyle/>
+          <a:p>
+            <a:pPr algn="ctr"/>
+            <a:r>
+              <a:rPr lang="de-DE" b="1" dirty="0"/>
+              <a:t>Features</a:t>
+            </a:r>
+            <a:endParaRPr lang="en-GB" b="1" dirty="0"/>
+          </a:p>
+        </p:txBody>
+      </p:sp>
+      <p:sp>
+        <p:nvSpPr>
+          <p:cNvPr id="45" name="Rectangle 44">
+            <a:extLst>
+              <a:ext uri="{FF2B5EF4-FFF2-40B4-BE49-F238E27FC236}">
+                <a16:creationId xmlns:a16="http://schemas.microsoft.com/office/drawing/2014/main" id="{B11AF628-8A80-40CB-806D-46C296788BED}"/>
+              </a:ext>
+            </a:extLst>
+          </p:cNvPr>
+          <p:cNvSpPr/>
+          <p:nvPr/>
+        </p:nvSpPr>
+        <p:spPr>
+          <a:xfrm>
+            <a:off x="980923" y="1541357"/>
+            <a:ext cx="8674212" cy="5016639"/>
+          </a:xfrm>
+          <a:prstGeom prst="rect">
+            <a:avLst/>
+          </a:prstGeom>
+          <a:solidFill>
+            <a:schemeClr val="bg2"/>
+          </a:solidFill>
+          <a:ln>
+            <a:noFill/>
+          </a:ln>
+        </p:spPr>
+        <p:style>
+          <a:lnRef idx="2">
+            <a:schemeClr val="accent1">
+              <a:shade val="50000"/>
+            </a:schemeClr>
+          </a:lnRef>
+          <a:fillRef idx="1">
+            <a:schemeClr val="accent1"/>
+          </a:fillRef>
+          <a:effectRef idx="0">
+            <a:schemeClr val="accent1"/>
+          </a:effectRef>
+          <a:fontRef idx="minor">
+            <a:schemeClr val="lt1"/>
+          </a:fontRef>
+        </p:style>
+        <p:txBody>
+          <a:bodyPr rtlCol="0" anchor="ctr"/>
+          <a:lstStyle/>
+          <a:p>
+            <a:pPr algn="ctr"/>
+            <a:endParaRPr lang="en-GB" sz="1200">
+              <a:latin typeface="Calibri" panose="020F0502020204030204" pitchFamily="34" charset="0"/>
+              <a:cs typeface="Calibri" panose="020F0502020204030204" pitchFamily="34" charset="0"/>
+            </a:endParaRPr>
+          </a:p>
+        </p:txBody>
+      </p:sp>
+      <p:sp>
+        <p:nvSpPr>
+          <p:cNvPr id="70" name="TextBox 69">
+            <a:extLst>
+              <a:ext uri="{FF2B5EF4-FFF2-40B4-BE49-F238E27FC236}">
+                <a16:creationId xmlns:a16="http://schemas.microsoft.com/office/drawing/2014/main" id="{3CDBC5B5-AD20-416B-8B5D-CE4D6205FDA1}"/>
+              </a:ext>
+            </a:extLst>
+          </p:cNvPr>
+          <p:cNvSpPr txBox="1"/>
+          <p:nvPr/>
+        </p:nvSpPr>
+        <p:spPr>
+          <a:xfrm>
+            <a:off x="3496094" y="1519245"/>
+            <a:ext cx="5982322" cy="276999"/>
+          </a:xfrm>
+          <a:prstGeom prst="rect">
+            <a:avLst/>
+          </a:prstGeom>
+          <a:noFill/>
+        </p:spPr>
+        <p:txBody>
+          <a:bodyPr wrap="square" rtlCol="0">
+            <a:spAutoFit/>
+          </a:bodyPr>
+          <a:lstStyle/>
+          <a:p>
+            <a:r>
+              <a:rPr lang="de-DE" sz="1200" b="1" dirty="0"/>
+              <a:t>Status </a:t>
+            </a:r>
+            <a:endParaRPr lang="en-GB" sz="1200" b="1" dirty="0"/>
+          </a:p>
+        </p:txBody>
+      </p:sp>
+      <p:cxnSp>
+        <p:nvCxnSpPr>
+          <p:cNvPr id="71" name="Straight Connector 70">
+            <a:extLst>
+              <a:ext uri="{FF2B5EF4-FFF2-40B4-BE49-F238E27FC236}">
+                <a16:creationId xmlns:a16="http://schemas.microsoft.com/office/drawing/2014/main" id="{E508EC40-A7B8-43D7-93A9-0C545CBABA00}"/>
+              </a:ext>
+            </a:extLst>
+          </p:cNvPr>
+          <p:cNvCxnSpPr>
+            <a:cxnSpLocks/>
+          </p:cNvCxnSpPr>
+          <p:nvPr/>
+        </p:nvCxnSpPr>
+        <p:spPr>
+          <a:xfrm>
+            <a:off x="3496094" y="1805514"/>
+            <a:ext cx="5747419" cy="0"/>
+          </a:xfrm>
+          <a:prstGeom prst="line">
+            <a:avLst/>
+          </a:prstGeom>
+          <a:ln w="9525">
+            <a:solidFill>
+              <a:schemeClr val="tx1"/>
+            </a:solidFill>
+          </a:ln>
+        </p:spPr>
+        <p:style>
+          <a:lnRef idx="1">
+            <a:schemeClr val="accent1"/>
+          </a:lnRef>
+          <a:fillRef idx="0">
+            <a:schemeClr val="accent1"/>
+          </a:fillRef>
+          <a:effectRef idx="0">
+            <a:schemeClr val="accent1"/>
+          </a:effectRef>
+          <a:fontRef idx="minor">
+            <a:schemeClr val="tx1"/>
+          </a:fontRef>
+        </p:style>
+      </p:cxnSp>
+      <p:sp>
+        <p:nvSpPr>
+          <p:cNvPr id="48" name="TextBox 47">
+            <a:extLst>
+              <a:ext uri="{FF2B5EF4-FFF2-40B4-BE49-F238E27FC236}">
+                <a16:creationId xmlns:a16="http://schemas.microsoft.com/office/drawing/2014/main" id="{45EA2A6B-81DC-4E00-AA7A-C3E7DAC78B52}"/>
+              </a:ext>
+            </a:extLst>
+          </p:cNvPr>
+          <p:cNvSpPr txBox="1"/>
+          <p:nvPr/>
+        </p:nvSpPr>
+        <p:spPr>
+          <a:xfrm>
+            <a:off x="9003461" y="1403017"/>
+            <a:ext cx="1977592" cy="830997"/>
+          </a:xfrm>
+          <a:prstGeom prst="rect">
+            <a:avLst/>
+          </a:prstGeom>
+          <a:solidFill>
+            <a:schemeClr val="tx1"/>
+          </a:solidFill>
+          <a:ln>
+            <a:noFill/>
+          </a:ln>
+        </p:spPr>
+        <p:txBody>
+          <a:bodyPr wrap="square" rtlCol="0">
+            <a:spAutoFit/>
+          </a:bodyPr>
+          <a:lstStyle/>
+          <a:p>
+            <a:endParaRPr lang="de-DE" sz="1200" b="1" dirty="0">
+              <a:solidFill>
+                <a:schemeClr val="bg1"/>
+              </a:solidFill>
+              <a:latin typeface="Calibri" panose="020F0502020204030204" pitchFamily="34" charset="0"/>
+              <a:cs typeface="Calibri" panose="020F0502020204030204" pitchFamily="34" charset="0"/>
+            </a:endParaRPr>
+          </a:p>
+          <a:p>
+            <a:pPr marL="285750" indent="-285750">
+              <a:buFont typeface="Wingdings" panose="05000000000000000000" pitchFamily="2" charset="2"/>
+              <a:buChar char="§"/>
+            </a:pPr>
+            <a:r>
+              <a:rPr lang="de-DE" sz="1200" b="1" dirty="0">
+                <a:solidFill>
+                  <a:schemeClr val="bg1"/>
+                </a:solidFill>
+                <a:latin typeface="Calibri" panose="020F0502020204030204" pitchFamily="34" charset="0"/>
+                <a:cs typeface="Calibri" panose="020F0502020204030204" pitchFamily="34" charset="0"/>
+              </a:rPr>
+              <a:t>Extrainformation</a:t>
+            </a:r>
+          </a:p>
+          <a:p>
+            <a:endParaRPr lang="de-DE" sz="1200" b="1" dirty="0">
+              <a:solidFill>
+                <a:schemeClr val="bg1"/>
+              </a:solidFill>
+              <a:latin typeface="Calibri" panose="020F0502020204030204" pitchFamily="34" charset="0"/>
+              <a:cs typeface="Calibri" panose="020F0502020204030204" pitchFamily="34" charset="0"/>
+            </a:endParaRPr>
+          </a:p>
+          <a:p>
+            <a:pPr marL="285750" indent="-285750">
+              <a:buFont typeface="Wingdings" panose="05000000000000000000" pitchFamily="2" charset="2"/>
+              <a:buChar char="§"/>
+            </a:pPr>
+            <a:endParaRPr lang="de-DE" sz="1200" b="1" dirty="0">
+              <a:solidFill>
+                <a:schemeClr val="bg1"/>
+              </a:solidFill>
+              <a:latin typeface="Calibri" panose="020F0502020204030204" pitchFamily="34" charset="0"/>
+              <a:cs typeface="Calibri" panose="020F0502020204030204" pitchFamily="34" charset="0"/>
+            </a:endParaRPr>
+          </a:p>
+        </p:txBody>
+      </p:sp>
+      <p:sp>
+        <p:nvSpPr>
+          <p:cNvPr id="87" name="Google Shape;166;p21">
+            <a:extLst>
+              <a:ext uri="{FF2B5EF4-FFF2-40B4-BE49-F238E27FC236}">
+                <a16:creationId xmlns:a16="http://schemas.microsoft.com/office/drawing/2014/main" id="{3CB0131D-FCE8-4387-88E2-D76165EBA79A}"/>
+              </a:ext>
+            </a:extLst>
+          </p:cNvPr>
+          <p:cNvSpPr txBox="1">
+            <a:spLocks noGrp="1"/>
+          </p:cNvSpPr>
+          <p:nvPr>
+            <p:ph type="sldNum" idx="12"/>
+          </p:nvPr>
+        </p:nvSpPr>
+        <p:spPr>
+          <a:xfrm>
+            <a:off x="8610600" y="6356350"/>
+            <a:ext cx="2743200" cy="365100"/>
+          </a:xfrm>
+          <a:prstGeom prst="rect">
+            <a:avLst/>
+          </a:prstGeom>
+        </p:spPr>
+        <p:txBody>
+          <a:bodyPr spcFirstLastPara="1" wrap="square" lIns="91425" tIns="45700" rIns="91425" bIns="45700" anchor="ctr" anchorCtr="0">
+            <a:noAutofit/>
+          </a:bodyPr>
+          <a:lstStyle/>
+          <a:p>
+            <a:pPr marL="0" lvl="0" indent="0" algn="r" rtl="0">
+              <a:spcBef>
+                <a:spcPts val="0"/>
+              </a:spcBef>
+              <a:spcAft>
+                <a:spcPts val="0"/>
+              </a:spcAft>
+              <a:buClr>
+                <a:srgbClr val="000000"/>
+              </a:buClr>
+              <a:buSzPts val="1200"/>
+              <a:buFont typeface="Arial"/>
+              <a:buNone/>
+            </a:pPr>
+            <a:fld id="{00000000-1234-1234-1234-123412341234}" type="slidenum">
+              <a:rPr lang="de-DE">
+                <a:latin typeface="Calibri" panose="020F0502020204030204" pitchFamily="34" charset="0"/>
+                <a:cs typeface="Calibri" panose="020F0502020204030204" pitchFamily="34" charset="0"/>
+              </a:rPr>
+              <a:t>4</a:t>
             </a:fld>
             <a:endParaRPr dirty="0">
               <a:latin typeface="Calibri" panose="020F0502020204030204" pitchFamily="34" charset="0"/>
@@ -9719,7 +11019,7 @@
 </p:sld>
 </file>
 
-<file path=ppt/slides/slide4.xml><?xml version="1.0" encoding="utf-8"?>
+<file path=ppt/slides/slide5.xml><?xml version="1.0" encoding="utf-8"?>
 <p:sld xmlns:a="http://schemas.openxmlformats.org/drawingml/2006/main" xmlns:r="http://schemas.openxmlformats.org/officeDocument/2006/relationships" xmlns:p="http://schemas.openxmlformats.org/presentationml/2006/main">
   <p:cSld>
     <p:spTree>
@@ -9998,7 +11298,7 @@
             </a:pPr>
             <a:fld id="{00000000-1234-1234-1234-123412341234}" type="slidenum">
               <a:rPr lang="de-DE"/>
-              <a:t>4</a:t>
+              <a:t>5</a:t>
             </a:fld>
             <a:endParaRPr/>
           </a:p>
@@ -10191,7 +11491,7 @@
 </p:sld>
 </file>
 
-<file path=ppt/slides/slide5.xml><?xml version="1.0" encoding="utf-8"?>
+<file path=ppt/slides/slide6.xml><?xml version="1.0" encoding="utf-8"?>
 <p:sld xmlns:a="http://schemas.openxmlformats.org/drawingml/2006/main" xmlns:r="http://schemas.openxmlformats.org/officeDocument/2006/relationships" xmlns:p="http://schemas.openxmlformats.org/presentationml/2006/main">
   <p:cSld>
     <p:spTree>
@@ -11498,7 +12798,7 @@
                 <a:latin typeface="Calibri" panose="020F0502020204030204" pitchFamily="34" charset="0"/>
                 <a:cs typeface="Calibri" panose="020F0502020204030204" pitchFamily="34" charset="0"/>
               </a:rPr>
-              <a:t>5</a:t>
+              <a:t>6</a:t>
             </a:fld>
             <a:endParaRPr dirty="0">
               <a:latin typeface="Calibri" panose="020F0502020204030204" pitchFamily="34" charset="0"/>
@@ -11555,7 +12855,7 @@
 </p:sld>
 </file>
 
-<file path=ppt/slides/slide6.xml><?xml version="1.0" encoding="utf-8"?>
+<file path=ppt/slides/slide7.xml><?xml version="1.0" encoding="utf-8"?>
 <p:sld xmlns:a="http://schemas.openxmlformats.org/drawingml/2006/main" xmlns:r="http://schemas.openxmlformats.org/officeDocument/2006/relationships" xmlns:p="http://schemas.openxmlformats.org/presentationml/2006/main">
   <p:cSld>
     <p:spTree>
@@ -11834,7 +13134,7 @@
             </a:pPr>
             <a:fld id="{00000000-1234-1234-1234-123412341234}" type="slidenum">
               <a:rPr lang="de-DE"/>
-              <a:t>6</a:t>
+              <a:t>7</a:t>
             </a:fld>
             <a:endParaRPr/>
           </a:p>
@@ -12027,7 +13327,7 @@
 </p:sld>
 </file>
 
-<file path=ppt/slides/slide7.xml><?xml version="1.0" encoding="utf-8"?>
+<file path=ppt/slides/slide8.xml><?xml version="1.0" encoding="utf-8"?>
 <p:sld xmlns:a="http://schemas.openxmlformats.org/drawingml/2006/main" xmlns:r="http://schemas.openxmlformats.org/officeDocument/2006/relationships" xmlns:p="http://schemas.openxmlformats.org/presentationml/2006/main">
   <p:cSld>
     <p:spTree>
@@ -12349,7 +13649,7 @@
                 <a:latin typeface="Calibri" panose="020F0502020204030204" pitchFamily="34" charset="0"/>
                 <a:cs typeface="Calibri" panose="020F0502020204030204" pitchFamily="34" charset="0"/>
               </a:rPr>
-              <a:t>7</a:t>
+              <a:t>8</a:t>
             </a:fld>
             <a:endParaRPr dirty="0">
               <a:latin typeface="Calibri" panose="020F0502020204030204" pitchFamily="34" charset="0"/>
@@ -12721,7 +14021,7 @@
 </p:sld>
 </file>
 
-<file path=ppt/slides/slide8.xml><?xml version="1.0" encoding="utf-8"?>
+<file path=ppt/slides/slide9.xml><?xml version="1.0" encoding="utf-8"?>
 <p:sld xmlns:a="http://schemas.openxmlformats.org/drawingml/2006/main" xmlns:r="http://schemas.openxmlformats.org/officeDocument/2006/relationships" xmlns:p="http://schemas.openxmlformats.org/presentationml/2006/main">
   <p:cSld>
     <p:spTree>
@@ -13012,7 +14312,7 @@
             </a:pPr>
             <a:fld id="{00000000-1234-1234-1234-123412341234}" type="slidenum">
               <a:rPr lang="de-DE"/>
-              <a:t>8</a:t>
+              <a:t>9</a:t>
             </a:fld>
             <a:endParaRPr/>
           </a:p>
@@ -13205,450 +14505,6 @@
     <p:extLst>
       <p:ext uri="{BB962C8B-B14F-4D97-AF65-F5344CB8AC3E}">
         <p14:creationId xmlns:p14="http://schemas.microsoft.com/office/powerpoint/2010/main" val="1003099831"/>
-      </p:ext>
-    </p:extLst>
-  </p:cSld>
-  <p:clrMapOvr>
-    <a:masterClrMapping/>
-  </p:clrMapOvr>
-</p:sld>
-</file>
-
-<file path=ppt/slides/slide9.xml><?xml version="1.0" encoding="utf-8"?>
-<p:sld xmlns:a="http://schemas.openxmlformats.org/drawingml/2006/main" xmlns:r="http://schemas.openxmlformats.org/officeDocument/2006/relationships" xmlns:p="http://schemas.openxmlformats.org/presentationml/2006/main">
-  <p:cSld>
-    <p:spTree>
-      <p:nvGrpSpPr>
-        <p:cNvPr id="1" name=""/>
-        <p:cNvGrpSpPr/>
-        <p:nvPr/>
-      </p:nvGrpSpPr>
-      <p:grpSpPr>
-        <a:xfrm>
-          <a:off x="0" y="0"/>
-          <a:ext cx="0" cy="0"/>
-          <a:chOff x="0" y="0"/>
-          <a:chExt cx="0" cy="0"/>
-        </a:xfrm>
-      </p:grpSpPr>
-      <p:pic>
-        <p:nvPicPr>
-          <p:cNvPr id="19" name="Picture 18">
-            <a:extLst>
-              <a:ext uri="{FF2B5EF4-FFF2-40B4-BE49-F238E27FC236}">
-                <a16:creationId xmlns:a16="http://schemas.microsoft.com/office/drawing/2014/main" id="{145A12B7-C102-A744-81DF-F3DA95FF0807}"/>
-              </a:ext>
-            </a:extLst>
-          </p:cNvPr>
-          <p:cNvPicPr>
-            <a:picLocks noChangeAspect="1"/>
-          </p:cNvPicPr>
-          <p:nvPr/>
-        </p:nvPicPr>
-        <p:blipFill>
-          <a:blip r:embed="rId2"/>
-          <a:stretch>
-            <a:fillRect/>
-          </a:stretch>
-        </p:blipFill>
-        <p:spPr>
-          <a:xfrm>
-            <a:off x="3239531" y="2220893"/>
-            <a:ext cx="3302000" cy="3517900"/>
-          </a:xfrm>
-          <a:prstGeom prst="rect">
-            <a:avLst/>
-          </a:prstGeom>
-        </p:spPr>
-      </p:pic>
-      <p:sp>
-        <p:nvSpPr>
-          <p:cNvPr id="28" name="Title 27">
-            <a:extLst>
-              <a:ext uri="{FF2B5EF4-FFF2-40B4-BE49-F238E27FC236}">
-                <a16:creationId xmlns:a16="http://schemas.microsoft.com/office/drawing/2014/main" id="{ED88B789-8876-4BD8-A8AC-E8DF4A86BDF3}"/>
-              </a:ext>
-            </a:extLst>
-          </p:cNvPr>
-          <p:cNvSpPr>
-            <a:spLocks noGrp="1"/>
-          </p:cNvSpPr>
-          <p:nvPr>
-            <p:ph type="title"/>
-          </p:nvPr>
-        </p:nvSpPr>
-        <p:spPr/>
-        <p:txBody>
-          <a:bodyPr>
-            <a:normAutofit/>
-          </a:bodyPr>
-          <a:lstStyle/>
-          <a:p>
-            <a:r>
-              <a:rPr lang="en-US" dirty="0"/>
-              <a:t>Example 2: Acceleration structure</a:t>
-            </a:r>
-          </a:p>
-        </p:txBody>
-      </p:sp>
-      <p:sp>
-        <p:nvSpPr>
-          <p:cNvPr id="5" name="TextBox 4">
-            <a:extLst>
-              <a:ext uri="{FF2B5EF4-FFF2-40B4-BE49-F238E27FC236}">
-                <a16:creationId xmlns:a16="http://schemas.microsoft.com/office/drawing/2014/main" id="{971ABE22-19AB-42E0-877C-2301047B25B7}"/>
-              </a:ext>
-            </a:extLst>
-          </p:cNvPr>
-          <p:cNvSpPr txBox="1"/>
-          <p:nvPr/>
-        </p:nvSpPr>
-        <p:spPr>
-          <a:xfrm>
-            <a:off x="9222104" y="2417111"/>
-            <a:ext cx="2680571" cy="480148"/>
-          </a:xfrm>
-          <a:prstGeom prst="rect">
-            <a:avLst/>
-          </a:prstGeom>
-          <a:solidFill>
-            <a:schemeClr val="tx1"/>
-          </a:solidFill>
-          <a:ln>
-            <a:noFill/>
-          </a:ln>
-        </p:spPr>
-        <p:txBody>
-          <a:bodyPr wrap="none" rtlCol="0">
-            <a:noAutofit/>
-          </a:bodyPr>
-          <a:lstStyle/>
-          <a:p>
-            <a:r>
-              <a:rPr lang="en-GB" sz="1200" b="1" dirty="0">
-                <a:solidFill>
-                  <a:schemeClr val="bg1"/>
-                </a:solidFill>
-                <a:latin typeface="Calibri" panose="020F0502020204030204" pitchFamily="34" charset="0"/>
-                <a:cs typeface="Calibri" panose="020F0502020204030204" pitchFamily="34" charset="0"/>
-              </a:rPr>
-              <a:t>Acceleration Structure</a:t>
-            </a:r>
-          </a:p>
-        </p:txBody>
-      </p:sp>
-      <p:sp>
-        <p:nvSpPr>
-          <p:cNvPr id="6" name="Oval 5">
-            <a:extLst>
-              <a:ext uri="{FF2B5EF4-FFF2-40B4-BE49-F238E27FC236}">
-                <a16:creationId xmlns:a16="http://schemas.microsoft.com/office/drawing/2014/main" id="{9B425EAD-B79D-4038-A303-2AC2C2CD5EB0}"/>
-              </a:ext>
-            </a:extLst>
-          </p:cNvPr>
-          <p:cNvSpPr>
-            <a:spLocks noChangeAspect="1"/>
-          </p:cNvSpPr>
-          <p:nvPr/>
-        </p:nvSpPr>
-        <p:spPr>
-          <a:xfrm>
-            <a:off x="5276288" y="3018789"/>
-            <a:ext cx="85196" cy="76384"/>
-          </a:xfrm>
-          <a:prstGeom prst="ellipse">
-            <a:avLst/>
-          </a:prstGeom>
-          <a:solidFill>
-            <a:schemeClr val="tx1"/>
-          </a:solidFill>
-          <a:ln>
-            <a:noFill/>
-          </a:ln>
-        </p:spPr>
-        <p:style>
-          <a:lnRef idx="2">
-            <a:schemeClr val="accent1">
-              <a:shade val="50000"/>
-            </a:schemeClr>
-          </a:lnRef>
-          <a:fillRef idx="1">
-            <a:schemeClr val="accent1"/>
-          </a:fillRef>
-          <a:effectRef idx="0">
-            <a:schemeClr val="accent1"/>
-          </a:effectRef>
-          <a:fontRef idx="minor">
-            <a:schemeClr val="lt1"/>
-          </a:fontRef>
-        </p:style>
-        <p:txBody>
-          <a:bodyPr rtlCol="0" anchor="ctr"/>
-          <a:lstStyle/>
-          <a:p>
-            <a:pPr algn="ctr"/>
-            <a:endParaRPr lang="en-GB"/>
-          </a:p>
-        </p:txBody>
-      </p:sp>
-      <p:cxnSp>
-        <p:nvCxnSpPr>
-          <p:cNvPr id="4" name="Connector: Elbow 3">
-            <a:extLst>
-              <a:ext uri="{FF2B5EF4-FFF2-40B4-BE49-F238E27FC236}">
-                <a16:creationId xmlns:a16="http://schemas.microsoft.com/office/drawing/2014/main" id="{734D198B-8559-4A65-B869-38251A0692B3}"/>
-              </a:ext>
-            </a:extLst>
-          </p:cNvPr>
-          <p:cNvCxnSpPr>
-            <a:cxnSpLocks/>
-            <a:stCxn id="6" idx="0"/>
-            <a:endCxn id="5" idx="1"/>
-          </p:cNvCxnSpPr>
-          <p:nvPr/>
-        </p:nvCxnSpPr>
-        <p:spPr>
-          <a:xfrm rot="5400000" flipH="1" flipV="1">
-            <a:off x="7089693" y="886378"/>
-            <a:ext cx="361604" cy="3903218"/>
-          </a:xfrm>
-          <a:prstGeom prst="bentConnector2">
-            <a:avLst/>
-          </a:prstGeom>
-          <a:ln w="19050">
-            <a:solidFill>
-              <a:schemeClr val="tx1"/>
-            </a:solidFill>
-            <a:headEnd type="none" w="med" len="med"/>
-            <a:tailEnd type="none" w="med" len="med"/>
-          </a:ln>
-        </p:spPr>
-        <p:style>
-          <a:lnRef idx="1">
-            <a:schemeClr val="accent1"/>
-          </a:lnRef>
-          <a:fillRef idx="0">
-            <a:schemeClr val="accent1"/>
-          </a:fillRef>
-          <a:effectRef idx="0">
-            <a:schemeClr val="accent1"/>
-          </a:effectRef>
-          <a:fontRef idx="minor">
-            <a:schemeClr val="tx1"/>
-          </a:fontRef>
-        </p:style>
-      </p:cxnSp>
-      <p:sp>
-        <p:nvSpPr>
-          <p:cNvPr id="10" name="TextBox 9">
-            <a:extLst>
-              <a:ext uri="{FF2B5EF4-FFF2-40B4-BE49-F238E27FC236}">
-                <a16:creationId xmlns:a16="http://schemas.microsoft.com/office/drawing/2014/main" id="{3E5526AB-A7F1-4F24-A75B-ECBF65DA285D}"/>
-              </a:ext>
-            </a:extLst>
-          </p:cNvPr>
-          <p:cNvSpPr txBox="1"/>
-          <p:nvPr/>
-        </p:nvSpPr>
-        <p:spPr>
-          <a:xfrm>
-            <a:off x="9222104" y="3420230"/>
-            <a:ext cx="2680571" cy="480148"/>
-          </a:xfrm>
-          <a:prstGeom prst="rect">
-            <a:avLst/>
-          </a:prstGeom>
-          <a:solidFill>
-            <a:schemeClr val="tx1"/>
-          </a:solidFill>
-          <a:ln>
-            <a:noFill/>
-          </a:ln>
-        </p:spPr>
-        <p:txBody>
-          <a:bodyPr wrap="none" rtlCol="0">
-            <a:noAutofit/>
-          </a:bodyPr>
-          <a:lstStyle/>
-          <a:p>
-            <a:r>
-              <a:rPr lang="en-GB" sz="1200" b="1" dirty="0">
-                <a:solidFill>
-                  <a:schemeClr val="bg1"/>
-                </a:solidFill>
-                <a:latin typeface="Calibri" panose="020F0502020204030204" pitchFamily="34" charset="0"/>
-                <a:cs typeface="Calibri" panose="020F0502020204030204" pitchFamily="34" charset="0"/>
-              </a:rPr>
-              <a:t>Debug ray</a:t>
-            </a:r>
-          </a:p>
-        </p:txBody>
-      </p:sp>
-      <p:sp>
-        <p:nvSpPr>
-          <p:cNvPr id="14" name="Oval 13">
-            <a:extLst>
-              <a:ext uri="{FF2B5EF4-FFF2-40B4-BE49-F238E27FC236}">
-                <a16:creationId xmlns:a16="http://schemas.microsoft.com/office/drawing/2014/main" id="{DCB629D0-DAB6-4B30-99AF-099633149813}"/>
-              </a:ext>
-            </a:extLst>
-          </p:cNvPr>
-          <p:cNvSpPr>
-            <a:spLocks noChangeAspect="1"/>
-          </p:cNvSpPr>
-          <p:nvPr/>
-        </p:nvSpPr>
-        <p:spPr>
-          <a:xfrm>
-            <a:off x="6159975" y="4143824"/>
-            <a:ext cx="85196" cy="76384"/>
-          </a:xfrm>
-          <a:prstGeom prst="ellipse">
-            <a:avLst/>
-          </a:prstGeom>
-          <a:solidFill>
-            <a:schemeClr val="tx1"/>
-          </a:solidFill>
-          <a:ln>
-            <a:noFill/>
-          </a:ln>
-        </p:spPr>
-        <p:style>
-          <a:lnRef idx="2">
-            <a:schemeClr val="accent1">
-              <a:shade val="50000"/>
-            </a:schemeClr>
-          </a:lnRef>
-          <a:fillRef idx="1">
-            <a:schemeClr val="accent1"/>
-          </a:fillRef>
-          <a:effectRef idx="0">
-            <a:schemeClr val="accent1"/>
-          </a:effectRef>
-          <a:fontRef idx="minor">
-            <a:schemeClr val="lt1"/>
-          </a:fontRef>
-        </p:style>
-        <p:txBody>
-          <a:bodyPr rtlCol="0" anchor="ctr"/>
-          <a:lstStyle/>
-          <a:p>
-            <a:pPr algn="ctr"/>
-            <a:endParaRPr lang="en-GB"/>
-          </a:p>
-        </p:txBody>
-      </p:sp>
-      <p:cxnSp>
-        <p:nvCxnSpPr>
-          <p:cNvPr id="15" name="Connector: Elbow 14">
-            <a:extLst>
-              <a:ext uri="{FF2B5EF4-FFF2-40B4-BE49-F238E27FC236}">
-                <a16:creationId xmlns:a16="http://schemas.microsoft.com/office/drawing/2014/main" id="{3A51A033-A816-45D6-8A88-A37F33D4658A}"/>
-              </a:ext>
-            </a:extLst>
-          </p:cNvPr>
-          <p:cNvCxnSpPr>
-            <a:cxnSpLocks/>
-            <a:endCxn id="10" idx="1"/>
-          </p:cNvCxnSpPr>
-          <p:nvPr/>
-        </p:nvCxnSpPr>
-        <p:spPr>
-          <a:xfrm flipV="1">
-            <a:off x="6202573" y="3660304"/>
-            <a:ext cx="3019531" cy="522973"/>
-          </a:xfrm>
-          <a:prstGeom prst="bentConnector3">
-            <a:avLst>
-              <a:gd name="adj1" fmla="val 50000"/>
-            </a:avLst>
-          </a:prstGeom>
-          <a:ln w="19050">
-            <a:solidFill>
-              <a:schemeClr val="tx1"/>
-            </a:solidFill>
-            <a:headEnd type="none" w="med" len="med"/>
-            <a:tailEnd type="none" w="med" len="med"/>
-          </a:ln>
-        </p:spPr>
-        <p:style>
-          <a:lnRef idx="1">
-            <a:schemeClr val="accent1"/>
-          </a:lnRef>
-          <a:fillRef idx="0">
-            <a:schemeClr val="accent1"/>
-          </a:fillRef>
-          <a:effectRef idx="0">
-            <a:schemeClr val="accent1"/>
-          </a:effectRef>
-          <a:fontRef idx="minor">
-            <a:schemeClr val="tx1"/>
-          </a:fontRef>
-        </p:style>
-      </p:cxnSp>
-      <p:sp>
-        <p:nvSpPr>
-          <p:cNvPr id="51" name="Google Shape;166;p21">
-            <a:extLst>
-              <a:ext uri="{FF2B5EF4-FFF2-40B4-BE49-F238E27FC236}">
-                <a16:creationId xmlns:a16="http://schemas.microsoft.com/office/drawing/2014/main" id="{2239FD9E-4032-44B3-9DC9-F50C7A1129B8}"/>
-              </a:ext>
-            </a:extLst>
-          </p:cNvPr>
-          <p:cNvSpPr txBox="1">
-            <a:spLocks noGrp="1"/>
-          </p:cNvSpPr>
-          <p:nvPr>
-            <p:ph type="sldNum" idx="12"/>
-          </p:nvPr>
-        </p:nvSpPr>
-        <p:spPr>
-          <a:xfrm>
-            <a:off x="8610600" y="6356350"/>
-            <a:ext cx="2743200" cy="365100"/>
-          </a:xfrm>
-          <a:prstGeom prst="rect">
-            <a:avLst/>
-          </a:prstGeom>
-        </p:spPr>
-        <p:txBody>
-          <a:bodyPr spcFirstLastPara="1" wrap="square" lIns="91425" tIns="45700" rIns="91425" bIns="45700" anchor="ctr" anchorCtr="0">
-            <a:noAutofit/>
-          </a:bodyPr>
-          <a:lstStyle/>
-          <a:p>
-            <a:pPr marL="0" lvl="0" indent="0" algn="r" rtl="0">
-              <a:spcBef>
-                <a:spcPts val="0"/>
-              </a:spcBef>
-              <a:spcAft>
-                <a:spcPts val="0"/>
-              </a:spcAft>
-              <a:buClr>
-                <a:srgbClr val="000000"/>
-              </a:buClr>
-              <a:buSzPts val="1200"/>
-              <a:buFont typeface="Arial"/>
-              <a:buNone/>
-            </a:pPr>
-            <a:fld id="{00000000-1234-1234-1234-123412341234}" type="slidenum">
-              <a:rPr lang="de-DE">
-                <a:latin typeface="Calibri" panose="020F0502020204030204" pitchFamily="34" charset="0"/>
-                <a:cs typeface="Calibri" panose="020F0502020204030204" pitchFamily="34" charset="0"/>
-              </a:rPr>
-              <a:t>9</a:t>
-            </a:fld>
-            <a:endParaRPr dirty="0">
-              <a:latin typeface="Calibri" panose="020F0502020204030204" pitchFamily="34" charset="0"/>
-              <a:cs typeface="Calibri" panose="020F0502020204030204" pitchFamily="34" charset="0"/>
-            </a:endParaRPr>
-          </a:p>
-        </p:txBody>
-      </p:sp>
-    </p:spTree>
-    <p:extLst>
-      <p:ext uri="{BB962C8B-B14F-4D97-AF65-F5344CB8AC3E}">
-        <p14:creationId xmlns:p14="http://schemas.microsoft.com/office/powerpoint/2010/main" val="2203556966"/>
       </p:ext>
     </p:extLst>
   </p:cSld>

--- a/Group22_Presentation.pptx
+++ b/Group22_Presentation.pptx
@@ -210,7 +210,7 @@
           <a:p>
             <a:fld id="{250A5BDD-778C-B344-84AF-C3B35FC1A2E2}" type="datetimeFigureOut">
               <a:rPr lang="en-US" smtClean="0"/>
-              <a:t>10/29/19</a:t>
+              <a:t>10/30/19</a:t>
             </a:fld>
             <a:endParaRPr lang="en-US"/>
           </a:p>
@@ -1516,7 +1516,7 @@
           <a:p>
             <a:fld id="{4300CD6C-78DE-4449-8454-8B7589D89EDB}" type="datetimeFigureOut">
               <a:rPr lang="en-US" smtClean="0"/>
-              <a:t>10/29/19</a:t>
+              <a:t>10/30/19</a:t>
             </a:fld>
             <a:endParaRPr lang="en-US"/>
           </a:p>
@@ -1716,7 +1716,7 @@
           <a:p>
             <a:fld id="{4300CD6C-78DE-4449-8454-8B7589D89EDB}" type="datetimeFigureOut">
               <a:rPr lang="en-US" smtClean="0"/>
-              <a:t>10/29/19</a:t>
+              <a:t>10/30/19</a:t>
             </a:fld>
             <a:endParaRPr lang="en-US"/>
           </a:p>
@@ -1926,7 +1926,7 @@
           <a:p>
             <a:fld id="{4300CD6C-78DE-4449-8454-8B7589D89EDB}" type="datetimeFigureOut">
               <a:rPr lang="en-US" smtClean="0"/>
-              <a:t>10/29/19</a:t>
+              <a:t>10/30/19</a:t>
             </a:fld>
             <a:endParaRPr lang="en-US"/>
           </a:p>
@@ -2126,7 +2126,7 @@
           <a:p>
             <a:fld id="{4300CD6C-78DE-4449-8454-8B7589D89EDB}" type="datetimeFigureOut">
               <a:rPr lang="en-US" smtClean="0"/>
-              <a:t>10/29/19</a:t>
+              <a:t>10/30/19</a:t>
             </a:fld>
             <a:endParaRPr lang="en-US"/>
           </a:p>
@@ -2402,7 +2402,7 @@
           <a:p>
             <a:fld id="{4300CD6C-78DE-4449-8454-8B7589D89EDB}" type="datetimeFigureOut">
               <a:rPr lang="en-US" smtClean="0"/>
-              <a:t>10/29/19</a:t>
+              <a:t>10/30/19</a:t>
             </a:fld>
             <a:endParaRPr lang="en-US"/>
           </a:p>
@@ -2670,7 +2670,7 @@
           <a:p>
             <a:fld id="{4300CD6C-78DE-4449-8454-8B7589D89EDB}" type="datetimeFigureOut">
               <a:rPr lang="en-US" smtClean="0"/>
-              <a:t>10/29/19</a:t>
+              <a:t>10/30/19</a:t>
             </a:fld>
             <a:endParaRPr lang="en-US"/>
           </a:p>
@@ -3085,7 +3085,7 @@
           <a:p>
             <a:fld id="{4300CD6C-78DE-4449-8454-8B7589D89EDB}" type="datetimeFigureOut">
               <a:rPr lang="en-US" smtClean="0"/>
-              <a:t>10/29/19</a:t>
+              <a:t>10/30/19</a:t>
             </a:fld>
             <a:endParaRPr lang="en-US"/>
           </a:p>
@@ -3227,7 +3227,7 @@
           <a:p>
             <a:fld id="{4300CD6C-78DE-4449-8454-8B7589D89EDB}" type="datetimeFigureOut">
               <a:rPr lang="en-US" smtClean="0"/>
-              <a:t>10/29/19</a:t>
+              <a:t>10/30/19</a:t>
             </a:fld>
             <a:endParaRPr lang="en-US"/>
           </a:p>
@@ -3340,7 +3340,7 @@
           <a:p>
             <a:fld id="{4300CD6C-78DE-4449-8454-8B7589D89EDB}" type="datetimeFigureOut">
               <a:rPr lang="en-US" smtClean="0"/>
-              <a:t>10/29/19</a:t>
+              <a:t>10/30/19</a:t>
             </a:fld>
             <a:endParaRPr lang="en-US"/>
           </a:p>
@@ -3653,7 +3653,7 @@
           <a:p>
             <a:fld id="{4300CD6C-78DE-4449-8454-8B7589D89EDB}" type="datetimeFigureOut">
               <a:rPr lang="en-US" smtClean="0"/>
-              <a:t>10/29/19</a:t>
+              <a:t>10/30/19</a:t>
             </a:fld>
             <a:endParaRPr lang="en-US"/>
           </a:p>
@@ -3942,7 +3942,7 @@
           <a:p>
             <a:fld id="{4300CD6C-78DE-4449-8454-8B7589D89EDB}" type="datetimeFigureOut">
               <a:rPr lang="en-US" smtClean="0"/>
-              <a:t>10/29/19</a:t>
+              <a:t>10/30/19</a:t>
             </a:fld>
             <a:endParaRPr lang="en-US"/>
           </a:p>
@@ -4185,7 +4185,7 @@
           <a:p>
             <a:fld id="{4300CD6C-78DE-4449-8454-8B7589D89EDB}" type="datetimeFigureOut">
               <a:rPr lang="en-US" smtClean="0"/>
-              <a:t>10/29/19</a:t>
+              <a:t>10/30/19</a:t>
             </a:fld>
             <a:endParaRPr lang="en-US"/>
           </a:p>
@@ -9881,7 +9881,7 @@
           <p:spPr>
             <a:xfrm>
               <a:off x="4107406" y="5202038"/>
-              <a:ext cx="5371009" cy="461665"/>
+              <a:ext cx="5507368" cy="461665"/>
             </a:xfrm>
             <a:prstGeom prst="rect">
               <a:avLst/>
@@ -9902,7 +9902,7 @@
             <a:p>
               <a:r>
                 <a:rPr lang="en-GB" sz="1200" dirty="0"/>
-                <a:t>Recursively cutting boxes vertically on the median centroid.</a:t>
+                <a:t>Recursively splitting boxes on the longest axis at the median of the triangle’s centroids</a:t>
               </a:r>
             </a:p>
           </p:txBody>
